--- a/assets/lectures/cshl/2019/mini/RNASeq_MiniLecture_03_01_AbundanceEstimation.pptx
+++ b/assets/lectures/cshl/2019/mini/RNASeq_MiniLecture_03_01_AbundanceEstimation.pptx
@@ -17,7 +17,7 @@
     <p:sldId id="520" r:id="rId8"/>
     <p:sldId id="521" r:id="rId9"/>
     <p:sldId id="522" r:id="rId10"/>
-    <p:sldId id="523" r:id="rId11"/>
+    <p:sldId id="527" r:id="rId11"/>
   </p:sldIdLst>
   <p:sldSz cx="12192000" cy="6858000"/>
   <p:notesSz cx="6858000" cy="9144000"/>
@@ -206,7 +206,7 @@
           <a:p>
             <a:fld id="{827BD9F9-8452-A342-BB1B-28ECF19E2CC5}" type="datetimeFigureOut">
               <a:rPr lang="en-US" smtClean="0"/>
-              <a:t>11/5/19</a:t>
+              <a:t>11/9/19</a:t>
             </a:fld>
             <a:endParaRPr lang="en-US"/>
           </a:p>
@@ -1238,6 +1238,90 @@
 </p:notes>
 </file>
 
+<file path=ppt/notesSlides/notesSlide8.xml><?xml version="1.0" encoding="utf-8"?>
+<p:notes xmlns:a="http://schemas.openxmlformats.org/drawingml/2006/main" xmlns:r="http://schemas.openxmlformats.org/officeDocument/2006/relationships" xmlns:p="http://schemas.openxmlformats.org/presentationml/2006/main">
+  <p:cSld>
+    <p:spTree>
+      <p:nvGrpSpPr>
+        <p:cNvPr id="1" name=""/>
+        <p:cNvGrpSpPr/>
+        <p:nvPr/>
+      </p:nvGrpSpPr>
+      <p:grpSpPr>
+        <a:xfrm>
+          <a:off x="0" y="0"/>
+          <a:ext cx="0" cy="0"/>
+          <a:chOff x="0" y="0"/>
+          <a:chExt cx="0" cy="0"/>
+        </a:xfrm>
+      </p:grpSpPr>
+      <p:sp>
+        <p:nvSpPr>
+          <p:cNvPr id="2" name="Slide Image Placeholder 1"/>
+          <p:cNvSpPr>
+            <a:spLocks noGrp="1" noRot="1" noChangeAspect="1"/>
+          </p:cNvSpPr>
+          <p:nvPr>
+            <p:ph type="sldImg"/>
+          </p:nvPr>
+        </p:nvSpPr>
+        <p:spPr/>
+      </p:sp>
+      <p:sp>
+        <p:nvSpPr>
+          <p:cNvPr id="3" name="Notes Placeholder 2"/>
+          <p:cNvSpPr>
+            <a:spLocks noGrp="1"/>
+          </p:cNvSpPr>
+          <p:nvPr>
+            <p:ph type="body" idx="1"/>
+          </p:nvPr>
+        </p:nvSpPr>
+        <p:spPr/>
+        <p:txBody>
+          <a:bodyPr/>
+          <a:lstStyle/>
+          <a:p>
+            <a:endParaRPr lang="en-US" dirty="0"/>
+          </a:p>
+        </p:txBody>
+      </p:sp>
+      <p:sp>
+        <p:nvSpPr>
+          <p:cNvPr id="4" name="Slide Number Placeholder 3"/>
+          <p:cNvSpPr>
+            <a:spLocks noGrp="1"/>
+          </p:cNvSpPr>
+          <p:nvPr>
+            <p:ph type="sldNum" sz="quarter" idx="5"/>
+          </p:nvPr>
+        </p:nvSpPr>
+        <p:spPr/>
+        <p:txBody>
+          <a:bodyPr/>
+          <a:lstStyle/>
+          <a:p>
+            <a:fld id="{91C65747-E6F5-D94A-981D-658B04DED679}" type="slidenum">
+              <a:rPr lang="en-US" smtClean="0"/>
+              <a:t>10</a:t>
+            </a:fld>
+            <a:endParaRPr lang="en-US"/>
+          </a:p>
+        </p:txBody>
+      </p:sp>
+    </p:spTree>
+    <p:extLst>
+      <p:ext uri="{BB962C8B-B14F-4D97-AF65-F5344CB8AC3E}">
+        <p14:creationId xmlns:p14="http://schemas.microsoft.com/office/powerpoint/2010/main" val="1847111791"/>
+      </p:ext>
+    </p:extLst>
+  </p:cSld>
+  <p:clrMapOvr>
+    <a:masterClrMapping/>
+  </p:clrMapOvr>
+</p:notes>
+</file>
+
 <file path=ppt/slideLayouts/slideLayout1.xml><?xml version="1.0" encoding="utf-8"?>
 <p:sldLayout xmlns:a="http://schemas.openxmlformats.org/drawingml/2006/main" xmlns:r="http://schemas.openxmlformats.org/officeDocument/2006/relationships" xmlns:p="http://schemas.openxmlformats.org/presentationml/2006/main" type="title" preserve="1">
   <p:cSld name="Title Slide">
@@ -1824,1049 +1908,6 @@
 
 <file path=ppt/slideLayouts/slideLayout12.xml><?xml version="1.0" encoding="utf-8"?>
 <p:sldLayout xmlns:a="http://schemas.openxmlformats.org/drawingml/2006/main" xmlns:r="http://schemas.openxmlformats.org/officeDocument/2006/relationships" xmlns:p="http://schemas.openxmlformats.org/presentationml/2006/main" userDrawn="1">
-  <p:cSld name="Content">
-    <p:spTree>
-      <p:nvGrpSpPr>
-        <p:cNvPr id="1" name=""/>
-        <p:cNvGrpSpPr/>
-        <p:nvPr/>
-      </p:nvGrpSpPr>
-      <p:grpSpPr>
-        <a:xfrm>
-          <a:off x="0" y="0"/>
-          <a:ext cx="0" cy="0"/>
-          <a:chOff x="0" y="0"/>
-          <a:chExt cx="0" cy="0"/>
-        </a:xfrm>
-      </p:grpSpPr>
-      <p:sp>
-        <p:nvSpPr>
-          <p:cNvPr id="4" name="Rectangle 3"/>
-          <p:cNvSpPr/>
-          <p:nvPr userDrawn="1"/>
-        </p:nvSpPr>
-        <p:spPr>
-          <a:xfrm>
-            <a:off x="0" y="6400800"/>
-            <a:ext cx="12192000" cy="457200"/>
-          </a:xfrm>
-          <a:prstGeom prst="rect">
-            <a:avLst/>
-          </a:prstGeom>
-          <a:solidFill>
-            <a:srgbClr val="CA0000"/>
-          </a:solidFill>
-          <a:ln>
-            <a:noFill/>
-          </a:ln>
-        </p:spPr>
-        <p:style>
-          <a:lnRef idx="2">
-            <a:schemeClr val="accent1">
-              <a:shade val="50000"/>
-            </a:schemeClr>
-          </a:lnRef>
-          <a:fillRef idx="1">
-            <a:schemeClr val="accent1"/>
-          </a:fillRef>
-          <a:effectRef idx="0">
-            <a:schemeClr val="accent1"/>
-          </a:effectRef>
-          <a:fontRef idx="minor">
-            <a:schemeClr val="lt1"/>
-          </a:fontRef>
-        </p:style>
-        <p:txBody>
-          <a:bodyPr anchor="ctr"/>
-          <a:lstStyle/>
-          <a:p>
-            <a:pPr algn="ctr">
-              <a:defRPr/>
-            </a:pPr>
-            <a:endParaRPr lang="en-US" sz="1800">
-              <a:solidFill>
-                <a:srgbClr val="FFFFFF"/>
-              </a:solidFill>
-              <a:latin typeface="Segoe UI" charset="0"/>
-              <a:ea typeface="ＭＳ Ｐゴシック" charset="0"/>
-              <a:cs typeface="ＭＳ Ｐゴシック" charset="0"/>
-            </a:endParaRPr>
-          </a:p>
-        </p:txBody>
-      </p:sp>
-      <p:sp>
-        <p:nvSpPr>
-          <p:cNvPr id="5" name="TextBox 4"/>
-          <p:cNvSpPr txBox="1"/>
-          <p:nvPr userDrawn="1"/>
-        </p:nvSpPr>
-        <p:spPr>
-          <a:xfrm>
-            <a:off x="101600" y="6429375"/>
-            <a:ext cx="8940800" cy="400050"/>
-          </a:xfrm>
-          <a:prstGeom prst="rect">
-            <a:avLst/>
-          </a:prstGeom>
-          <a:noFill/>
-        </p:spPr>
-        <p:txBody>
-          <a:bodyPr>
-            <a:spAutoFit/>
-          </a:bodyPr>
-          <a:lstStyle>
-            <a:lvl1pPr eaLnBrk="0" hangingPunct="0">
-              <a:defRPr sz="2400">
-                <a:solidFill>
-                  <a:schemeClr val="tx1"/>
-                </a:solidFill>
-                <a:latin typeface="Arial" charset="0"/>
-                <a:ea typeface="ＭＳ Ｐゴシック" charset="0"/>
-                <a:cs typeface="ＭＳ Ｐゴシック" charset="0"/>
-              </a:defRPr>
-            </a:lvl1pPr>
-            <a:lvl2pPr marL="37931725" indent="-37474525" eaLnBrk="0" hangingPunct="0">
-              <a:defRPr sz="2400">
-                <a:solidFill>
-                  <a:schemeClr val="tx1"/>
-                </a:solidFill>
-                <a:latin typeface="Arial" charset="0"/>
-                <a:ea typeface="ＭＳ Ｐゴシック" charset="0"/>
-              </a:defRPr>
-            </a:lvl2pPr>
-            <a:lvl3pPr eaLnBrk="0" hangingPunct="0">
-              <a:defRPr sz="2400">
-                <a:solidFill>
-                  <a:schemeClr val="tx1"/>
-                </a:solidFill>
-                <a:latin typeface="Arial" charset="0"/>
-                <a:ea typeface="ＭＳ Ｐゴシック" charset="0"/>
-              </a:defRPr>
-            </a:lvl3pPr>
-            <a:lvl4pPr eaLnBrk="0" hangingPunct="0">
-              <a:defRPr sz="2400">
-                <a:solidFill>
-                  <a:schemeClr val="tx1"/>
-                </a:solidFill>
-                <a:latin typeface="Arial" charset="0"/>
-                <a:ea typeface="ＭＳ Ｐゴシック" charset="0"/>
-              </a:defRPr>
-            </a:lvl4pPr>
-            <a:lvl5pPr eaLnBrk="0" hangingPunct="0">
-              <a:defRPr sz="2400">
-                <a:solidFill>
-                  <a:schemeClr val="tx1"/>
-                </a:solidFill>
-                <a:latin typeface="Arial" charset="0"/>
-                <a:ea typeface="ＭＳ Ｐゴシック" charset="0"/>
-              </a:defRPr>
-            </a:lvl5pPr>
-            <a:lvl6pPr marL="457200" eaLnBrk="0" fontAlgn="base" hangingPunct="0">
-              <a:spcBef>
-                <a:spcPct val="0"/>
-              </a:spcBef>
-              <a:spcAft>
-                <a:spcPct val="0"/>
-              </a:spcAft>
-              <a:defRPr sz="2400">
-                <a:solidFill>
-                  <a:schemeClr val="tx1"/>
-                </a:solidFill>
-                <a:latin typeface="Arial" charset="0"/>
-                <a:ea typeface="ＭＳ Ｐゴシック" charset="0"/>
-              </a:defRPr>
-            </a:lvl6pPr>
-            <a:lvl7pPr marL="914400" eaLnBrk="0" fontAlgn="base" hangingPunct="0">
-              <a:spcBef>
-                <a:spcPct val="0"/>
-              </a:spcBef>
-              <a:spcAft>
-                <a:spcPct val="0"/>
-              </a:spcAft>
-              <a:defRPr sz="2400">
-                <a:solidFill>
-                  <a:schemeClr val="tx1"/>
-                </a:solidFill>
-                <a:latin typeface="Arial" charset="0"/>
-                <a:ea typeface="ＭＳ Ｐゴシック" charset="0"/>
-              </a:defRPr>
-            </a:lvl7pPr>
-            <a:lvl8pPr marL="1371600" eaLnBrk="0" fontAlgn="base" hangingPunct="0">
-              <a:spcBef>
-                <a:spcPct val="0"/>
-              </a:spcBef>
-              <a:spcAft>
-                <a:spcPct val="0"/>
-              </a:spcAft>
-              <a:defRPr sz="2400">
-                <a:solidFill>
-                  <a:schemeClr val="tx1"/>
-                </a:solidFill>
-                <a:latin typeface="Arial" charset="0"/>
-                <a:ea typeface="ＭＳ Ｐゴシック" charset="0"/>
-              </a:defRPr>
-            </a:lvl8pPr>
-            <a:lvl9pPr marL="1828800" eaLnBrk="0" fontAlgn="base" hangingPunct="0">
-              <a:spcBef>
-                <a:spcPct val="0"/>
-              </a:spcBef>
-              <a:spcAft>
-                <a:spcPct val="0"/>
-              </a:spcAft>
-              <a:defRPr sz="2400">
-                <a:solidFill>
-                  <a:schemeClr val="tx1"/>
-                </a:solidFill>
-                <a:latin typeface="Arial" charset="0"/>
-                <a:ea typeface="ＭＳ Ｐゴシック" charset="0"/>
-              </a:defRPr>
-            </a:lvl9pPr>
-          </a:lstStyle>
-          <a:p>
-            <a:pPr eaLnBrk="1" hangingPunct="1">
-              <a:defRPr/>
-            </a:pPr>
-            <a:r>
-              <a:rPr lang="en-US" sz="2000" b="1">
-                <a:solidFill>
-                  <a:schemeClr val="bg1"/>
-                </a:solidFill>
-                <a:latin typeface="Calibri" charset="0"/>
-                <a:cs typeface="Calibri" charset="0"/>
-              </a:rPr>
-              <a:t>RNA sequencing and analysis</a:t>
-            </a:r>
-          </a:p>
-        </p:txBody>
-      </p:sp>
-      <p:sp>
-        <p:nvSpPr>
-          <p:cNvPr id="6" name="TextBox 5"/>
-          <p:cNvSpPr txBox="1"/>
-          <p:nvPr userDrawn="1"/>
-        </p:nvSpPr>
-        <p:spPr>
-          <a:xfrm>
-            <a:off x="8229600" y="6477000"/>
-            <a:ext cx="3860800" cy="338138"/>
-          </a:xfrm>
-          <a:prstGeom prst="rect">
-            <a:avLst/>
-          </a:prstGeom>
-          <a:noFill/>
-        </p:spPr>
-        <p:txBody>
-          <a:bodyPr>
-            <a:spAutoFit/>
-          </a:bodyPr>
-          <a:lstStyle>
-            <a:lvl1pPr eaLnBrk="0" hangingPunct="0">
-              <a:defRPr sz="2400">
-                <a:solidFill>
-                  <a:schemeClr val="tx1"/>
-                </a:solidFill>
-                <a:latin typeface="Arial" charset="0"/>
-                <a:ea typeface="ＭＳ Ｐゴシック" charset="0"/>
-                <a:cs typeface="ＭＳ Ｐゴシック" charset="0"/>
-              </a:defRPr>
-            </a:lvl1pPr>
-            <a:lvl2pPr marL="37931725" indent="-37474525" eaLnBrk="0" hangingPunct="0">
-              <a:defRPr sz="2400">
-                <a:solidFill>
-                  <a:schemeClr val="tx1"/>
-                </a:solidFill>
-                <a:latin typeface="Arial" charset="0"/>
-                <a:ea typeface="ＭＳ Ｐゴシック" charset="0"/>
-              </a:defRPr>
-            </a:lvl2pPr>
-            <a:lvl3pPr eaLnBrk="0" hangingPunct="0">
-              <a:defRPr sz="2400">
-                <a:solidFill>
-                  <a:schemeClr val="tx1"/>
-                </a:solidFill>
-                <a:latin typeface="Arial" charset="0"/>
-                <a:ea typeface="ＭＳ Ｐゴシック" charset="0"/>
-              </a:defRPr>
-            </a:lvl3pPr>
-            <a:lvl4pPr eaLnBrk="0" hangingPunct="0">
-              <a:defRPr sz="2400">
-                <a:solidFill>
-                  <a:schemeClr val="tx1"/>
-                </a:solidFill>
-                <a:latin typeface="Arial" charset="0"/>
-                <a:ea typeface="ＭＳ Ｐゴシック" charset="0"/>
-              </a:defRPr>
-            </a:lvl4pPr>
-            <a:lvl5pPr eaLnBrk="0" hangingPunct="0">
-              <a:defRPr sz="2400">
-                <a:solidFill>
-                  <a:schemeClr val="tx1"/>
-                </a:solidFill>
-                <a:latin typeface="Arial" charset="0"/>
-                <a:ea typeface="ＭＳ Ｐゴシック" charset="0"/>
-              </a:defRPr>
-            </a:lvl5pPr>
-            <a:lvl6pPr marL="457200" eaLnBrk="0" fontAlgn="base" hangingPunct="0">
-              <a:spcBef>
-                <a:spcPct val="0"/>
-              </a:spcBef>
-              <a:spcAft>
-                <a:spcPct val="0"/>
-              </a:spcAft>
-              <a:defRPr sz="2400">
-                <a:solidFill>
-                  <a:schemeClr val="tx1"/>
-                </a:solidFill>
-                <a:latin typeface="Arial" charset="0"/>
-                <a:ea typeface="ＭＳ Ｐゴシック" charset="0"/>
-              </a:defRPr>
-            </a:lvl6pPr>
-            <a:lvl7pPr marL="914400" eaLnBrk="0" fontAlgn="base" hangingPunct="0">
-              <a:spcBef>
-                <a:spcPct val="0"/>
-              </a:spcBef>
-              <a:spcAft>
-                <a:spcPct val="0"/>
-              </a:spcAft>
-              <a:defRPr sz="2400">
-                <a:solidFill>
-                  <a:schemeClr val="tx1"/>
-                </a:solidFill>
-                <a:latin typeface="Arial" charset="0"/>
-                <a:ea typeface="ＭＳ Ｐゴシック" charset="0"/>
-              </a:defRPr>
-            </a:lvl7pPr>
-            <a:lvl8pPr marL="1371600" eaLnBrk="0" fontAlgn="base" hangingPunct="0">
-              <a:spcBef>
-                <a:spcPct val="0"/>
-              </a:spcBef>
-              <a:spcAft>
-                <a:spcPct val="0"/>
-              </a:spcAft>
-              <a:defRPr sz="2400">
-                <a:solidFill>
-                  <a:schemeClr val="tx1"/>
-                </a:solidFill>
-                <a:latin typeface="Arial" charset="0"/>
-                <a:ea typeface="ＭＳ Ｐゴシック" charset="0"/>
-              </a:defRPr>
-            </a:lvl8pPr>
-            <a:lvl9pPr marL="1828800" eaLnBrk="0" fontAlgn="base" hangingPunct="0">
-              <a:spcBef>
-                <a:spcPct val="0"/>
-              </a:spcBef>
-              <a:spcAft>
-                <a:spcPct val="0"/>
-              </a:spcAft>
-              <a:defRPr sz="2400">
-                <a:solidFill>
-                  <a:schemeClr val="tx1"/>
-                </a:solidFill>
-                <a:latin typeface="Arial" charset="0"/>
-                <a:ea typeface="ＭＳ Ｐゴシック" charset="0"/>
-              </a:defRPr>
-            </a:lvl9pPr>
-          </a:lstStyle>
-          <a:p>
-            <a:pPr algn="r" eaLnBrk="1" hangingPunct="1">
-              <a:defRPr/>
-            </a:pPr>
-            <a:r>
-              <a:rPr lang="en-US" sz="1600" b="1">
-                <a:cs typeface="Arial" charset="0"/>
-              </a:rPr>
-              <a:t>http://meetings.cshl.edu/</a:t>
-            </a:r>
-            <a:endParaRPr lang="en-US" sz="1600">
-              <a:cs typeface="Arial" charset="0"/>
-            </a:endParaRPr>
-          </a:p>
-        </p:txBody>
-      </p:sp>
-      <p:sp>
-        <p:nvSpPr>
-          <p:cNvPr id="3" name="Content Placeholder 2"/>
-          <p:cNvSpPr>
-            <a:spLocks noGrp="1"/>
-          </p:cNvSpPr>
-          <p:nvPr>
-            <p:ph idx="1"/>
-          </p:nvPr>
-        </p:nvSpPr>
-        <p:spPr>
-          <a:xfrm>
-            <a:off x="203200" y="152400"/>
-            <a:ext cx="11785600" cy="6172200"/>
-          </a:xfrm>
-        </p:spPr>
-        <p:txBody>
-          <a:bodyPr/>
-          <a:lstStyle>
-            <a:lvl1pPr>
-              <a:defRPr sz="2800">
-                <a:latin typeface="Calibri"/>
-                <a:cs typeface="Calibri"/>
-              </a:defRPr>
-            </a:lvl1pPr>
-            <a:lvl2pPr>
-              <a:defRPr sz="2400">
-                <a:latin typeface="Calibri"/>
-                <a:cs typeface="Calibri"/>
-              </a:defRPr>
-            </a:lvl2pPr>
-            <a:lvl3pPr>
-              <a:defRPr sz="2000">
-                <a:latin typeface="Calibri"/>
-                <a:cs typeface="Calibri"/>
-              </a:defRPr>
-            </a:lvl3pPr>
-            <a:lvl4pPr>
-              <a:defRPr sz="1800">
-                <a:latin typeface="Calibri"/>
-                <a:cs typeface="Calibri"/>
-              </a:defRPr>
-            </a:lvl4pPr>
-            <a:lvl5pPr>
-              <a:defRPr sz="1800">
-                <a:latin typeface="Calibri"/>
-                <a:cs typeface="Calibri"/>
-              </a:defRPr>
-            </a:lvl5pPr>
-          </a:lstStyle>
-          <a:p>
-            <a:pPr lvl="0"/>
-            <a:r>
-              <a:rPr lang="en-US" dirty="0"/>
-              <a:t>Click to edit Master text styles</a:t>
-            </a:r>
-          </a:p>
-          <a:p>
-            <a:pPr lvl="1"/>
-            <a:r>
-              <a:rPr lang="en-US" dirty="0"/>
-              <a:t>Second level</a:t>
-            </a:r>
-          </a:p>
-          <a:p>
-            <a:pPr lvl="2"/>
-            <a:r>
-              <a:rPr lang="en-US" dirty="0"/>
-              <a:t>Third level</a:t>
-            </a:r>
-          </a:p>
-          <a:p>
-            <a:pPr lvl="3"/>
-            <a:r>
-              <a:rPr lang="en-US" dirty="0"/>
-              <a:t>Fourth level</a:t>
-            </a:r>
-          </a:p>
-          <a:p>
-            <a:pPr lvl="4"/>
-            <a:r>
-              <a:rPr lang="en-US" dirty="0"/>
-              <a:t>Fifth level</a:t>
-            </a:r>
-          </a:p>
-        </p:txBody>
-      </p:sp>
-    </p:spTree>
-    <p:extLst>
-      <p:ext uri="{BB962C8B-B14F-4D97-AF65-F5344CB8AC3E}">
-        <p14:creationId xmlns:p14="http://schemas.microsoft.com/office/powerpoint/2010/main" val="2559371900"/>
-      </p:ext>
-    </p:extLst>
-  </p:cSld>
-  <p:clrMapOvr>
-    <a:masterClrMapping/>
-  </p:clrMapOvr>
-</p:sldLayout>
-</file>
-
-<file path=ppt/slideLayouts/slideLayout13.xml><?xml version="1.0" encoding="utf-8"?>
-<p:sldLayout xmlns:a="http://schemas.openxmlformats.org/drawingml/2006/main" xmlns:r="http://schemas.openxmlformats.org/officeDocument/2006/relationships" xmlns:p="http://schemas.openxmlformats.org/presentationml/2006/main" userDrawn="1">
-  <p:cSld name="Title and 2 Columns Content">
-    <p:spTree>
-      <p:nvGrpSpPr>
-        <p:cNvPr id="1" name=""/>
-        <p:cNvGrpSpPr/>
-        <p:nvPr/>
-      </p:nvGrpSpPr>
-      <p:grpSpPr>
-        <a:xfrm>
-          <a:off x="0" y="0"/>
-          <a:ext cx="0" cy="0"/>
-          <a:chOff x="0" y="0"/>
-          <a:chExt cx="0" cy="0"/>
-        </a:xfrm>
-      </p:grpSpPr>
-      <p:sp>
-        <p:nvSpPr>
-          <p:cNvPr id="5" name="Rectangle 4"/>
-          <p:cNvSpPr/>
-          <p:nvPr userDrawn="1"/>
-        </p:nvSpPr>
-        <p:spPr>
-          <a:xfrm>
-            <a:off x="0" y="6400800"/>
-            <a:ext cx="12192000" cy="457200"/>
-          </a:xfrm>
-          <a:prstGeom prst="rect">
-            <a:avLst/>
-          </a:prstGeom>
-          <a:solidFill>
-            <a:srgbClr val="CA0000"/>
-          </a:solidFill>
-          <a:ln>
-            <a:noFill/>
-          </a:ln>
-        </p:spPr>
-        <p:style>
-          <a:lnRef idx="2">
-            <a:schemeClr val="accent1">
-              <a:shade val="50000"/>
-            </a:schemeClr>
-          </a:lnRef>
-          <a:fillRef idx="1">
-            <a:schemeClr val="accent1"/>
-          </a:fillRef>
-          <a:effectRef idx="0">
-            <a:schemeClr val="accent1"/>
-          </a:effectRef>
-          <a:fontRef idx="minor">
-            <a:schemeClr val="lt1"/>
-          </a:fontRef>
-        </p:style>
-        <p:txBody>
-          <a:bodyPr anchor="ctr"/>
-          <a:lstStyle/>
-          <a:p>
-            <a:pPr algn="ctr">
-              <a:defRPr/>
-            </a:pPr>
-            <a:endParaRPr lang="en-US" sz="1800">
-              <a:solidFill>
-                <a:srgbClr val="FFFFFF"/>
-              </a:solidFill>
-              <a:latin typeface="Segoe UI" charset="0"/>
-              <a:ea typeface="ＭＳ Ｐゴシック" charset="0"/>
-              <a:cs typeface="ＭＳ Ｐゴシック" charset="0"/>
-            </a:endParaRPr>
-          </a:p>
-        </p:txBody>
-      </p:sp>
-      <p:sp>
-        <p:nvSpPr>
-          <p:cNvPr id="7" name="TextBox 6"/>
-          <p:cNvSpPr txBox="1"/>
-          <p:nvPr userDrawn="1"/>
-        </p:nvSpPr>
-        <p:spPr>
-          <a:xfrm>
-            <a:off x="101600" y="6429375"/>
-            <a:ext cx="8940800" cy="400050"/>
-          </a:xfrm>
-          <a:prstGeom prst="rect">
-            <a:avLst/>
-          </a:prstGeom>
-          <a:noFill/>
-        </p:spPr>
-        <p:txBody>
-          <a:bodyPr>
-            <a:spAutoFit/>
-          </a:bodyPr>
-          <a:lstStyle>
-            <a:lvl1pPr eaLnBrk="0" hangingPunct="0">
-              <a:defRPr sz="2400">
-                <a:solidFill>
-                  <a:schemeClr val="tx1"/>
-                </a:solidFill>
-                <a:latin typeface="Arial" charset="0"/>
-                <a:ea typeface="ＭＳ Ｐゴシック" charset="0"/>
-                <a:cs typeface="ＭＳ Ｐゴシック" charset="0"/>
-              </a:defRPr>
-            </a:lvl1pPr>
-            <a:lvl2pPr marL="37931725" indent="-37474525" eaLnBrk="0" hangingPunct="0">
-              <a:defRPr sz="2400">
-                <a:solidFill>
-                  <a:schemeClr val="tx1"/>
-                </a:solidFill>
-                <a:latin typeface="Arial" charset="0"/>
-                <a:ea typeface="ＭＳ Ｐゴシック" charset="0"/>
-              </a:defRPr>
-            </a:lvl2pPr>
-            <a:lvl3pPr eaLnBrk="0" hangingPunct="0">
-              <a:defRPr sz="2400">
-                <a:solidFill>
-                  <a:schemeClr val="tx1"/>
-                </a:solidFill>
-                <a:latin typeface="Arial" charset="0"/>
-                <a:ea typeface="ＭＳ Ｐゴシック" charset="0"/>
-              </a:defRPr>
-            </a:lvl3pPr>
-            <a:lvl4pPr eaLnBrk="0" hangingPunct="0">
-              <a:defRPr sz="2400">
-                <a:solidFill>
-                  <a:schemeClr val="tx1"/>
-                </a:solidFill>
-                <a:latin typeface="Arial" charset="0"/>
-                <a:ea typeface="ＭＳ Ｐゴシック" charset="0"/>
-              </a:defRPr>
-            </a:lvl4pPr>
-            <a:lvl5pPr eaLnBrk="0" hangingPunct="0">
-              <a:defRPr sz="2400">
-                <a:solidFill>
-                  <a:schemeClr val="tx1"/>
-                </a:solidFill>
-                <a:latin typeface="Arial" charset="0"/>
-                <a:ea typeface="ＭＳ Ｐゴシック" charset="0"/>
-              </a:defRPr>
-            </a:lvl5pPr>
-            <a:lvl6pPr marL="457200" eaLnBrk="0" fontAlgn="base" hangingPunct="0">
-              <a:spcBef>
-                <a:spcPct val="0"/>
-              </a:spcBef>
-              <a:spcAft>
-                <a:spcPct val="0"/>
-              </a:spcAft>
-              <a:defRPr sz="2400">
-                <a:solidFill>
-                  <a:schemeClr val="tx1"/>
-                </a:solidFill>
-                <a:latin typeface="Arial" charset="0"/>
-                <a:ea typeface="ＭＳ Ｐゴシック" charset="0"/>
-              </a:defRPr>
-            </a:lvl6pPr>
-            <a:lvl7pPr marL="914400" eaLnBrk="0" fontAlgn="base" hangingPunct="0">
-              <a:spcBef>
-                <a:spcPct val="0"/>
-              </a:spcBef>
-              <a:spcAft>
-                <a:spcPct val="0"/>
-              </a:spcAft>
-              <a:defRPr sz="2400">
-                <a:solidFill>
-                  <a:schemeClr val="tx1"/>
-                </a:solidFill>
-                <a:latin typeface="Arial" charset="0"/>
-                <a:ea typeface="ＭＳ Ｐゴシック" charset="0"/>
-              </a:defRPr>
-            </a:lvl7pPr>
-            <a:lvl8pPr marL="1371600" eaLnBrk="0" fontAlgn="base" hangingPunct="0">
-              <a:spcBef>
-                <a:spcPct val="0"/>
-              </a:spcBef>
-              <a:spcAft>
-                <a:spcPct val="0"/>
-              </a:spcAft>
-              <a:defRPr sz="2400">
-                <a:solidFill>
-                  <a:schemeClr val="tx1"/>
-                </a:solidFill>
-                <a:latin typeface="Arial" charset="0"/>
-                <a:ea typeface="ＭＳ Ｐゴシック" charset="0"/>
-              </a:defRPr>
-            </a:lvl8pPr>
-            <a:lvl9pPr marL="1828800" eaLnBrk="0" fontAlgn="base" hangingPunct="0">
-              <a:spcBef>
-                <a:spcPct val="0"/>
-              </a:spcBef>
-              <a:spcAft>
-                <a:spcPct val="0"/>
-              </a:spcAft>
-              <a:defRPr sz="2400">
-                <a:solidFill>
-                  <a:schemeClr val="tx1"/>
-                </a:solidFill>
-                <a:latin typeface="Arial" charset="0"/>
-                <a:ea typeface="ＭＳ Ｐゴシック" charset="0"/>
-              </a:defRPr>
-            </a:lvl9pPr>
-          </a:lstStyle>
-          <a:p>
-            <a:pPr eaLnBrk="1" hangingPunct="1">
-              <a:defRPr/>
-            </a:pPr>
-            <a:r>
-              <a:rPr lang="en-US" sz="2000" b="1">
-                <a:solidFill>
-                  <a:schemeClr val="bg1"/>
-                </a:solidFill>
-                <a:latin typeface="Calibri" charset="0"/>
-                <a:cs typeface="Calibri" charset="0"/>
-              </a:rPr>
-              <a:t>RNA sequencing and analysis</a:t>
-            </a:r>
-          </a:p>
-        </p:txBody>
-      </p:sp>
-      <p:sp>
-        <p:nvSpPr>
-          <p:cNvPr id="8" name="TextBox 7"/>
-          <p:cNvSpPr txBox="1"/>
-          <p:nvPr userDrawn="1"/>
-        </p:nvSpPr>
-        <p:spPr>
-          <a:xfrm>
-            <a:off x="8229600" y="6477000"/>
-            <a:ext cx="3860800" cy="338138"/>
-          </a:xfrm>
-          <a:prstGeom prst="rect">
-            <a:avLst/>
-          </a:prstGeom>
-          <a:noFill/>
-        </p:spPr>
-        <p:txBody>
-          <a:bodyPr>
-            <a:spAutoFit/>
-          </a:bodyPr>
-          <a:lstStyle>
-            <a:lvl1pPr eaLnBrk="0" hangingPunct="0">
-              <a:defRPr sz="2400">
-                <a:solidFill>
-                  <a:schemeClr val="tx1"/>
-                </a:solidFill>
-                <a:latin typeface="Arial" charset="0"/>
-                <a:ea typeface="ＭＳ Ｐゴシック" charset="0"/>
-                <a:cs typeface="ＭＳ Ｐゴシック" charset="0"/>
-              </a:defRPr>
-            </a:lvl1pPr>
-            <a:lvl2pPr marL="37931725" indent="-37474525" eaLnBrk="0" hangingPunct="0">
-              <a:defRPr sz="2400">
-                <a:solidFill>
-                  <a:schemeClr val="tx1"/>
-                </a:solidFill>
-                <a:latin typeface="Arial" charset="0"/>
-                <a:ea typeface="ＭＳ Ｐゴシック" charset="0"/>
-              </a:defRPr>
-            </a:lvl2pPr>
-            <a:lvl3pPr eaLnBrk="0" hangingPunct="0">
-              <a:defRPr sz="2400">
-                <a:solidFill>
-                  <a:schemeClr val="tx1"/>
-                </a:solidFill>
-                <a:latin typeface="Arial" charset="0"/>
-                <a:ea typeface="ＭＳ Ｐゴシック" charset="0"/>
-              </a:defRPr>
-            </a:lvl3pPr>
-            <a:lvl4pPr eaLnBrk="0" hangingPunct="0">
-              <a:defRPr sz="2400">
-                <a:solidFill>
-                  <a:schemeClr val="tx1"/>
-                </a:solidFill>
-                <a:latin typeface="Arial" charset="0"/>
-                <a:ea typeface="ＭＳ Ｐゴシック" charset="0"/>
-              </a:defRPr>
-            </a:lvl4pPr>
-            <a:lvl5pPr eaLnBrk="0" hangingPunct="0">
-              <a:defRPr sz="2400">
-                <a:solidFill>
-                  <a:schemeClr val="tx1"/>
-                </a:solidFill>
-                <a:latin typeface="Arial" charset="0"/>
-                <a:ea typeface="ＭＳ Ｐゴシック" charset="0"/>
-              </a:defRPr>
-            </a:lvl5pPr>
-            <a:lvl6pPr marL="457200" eaLnBrk="0" fontAlgn="base" hangingPunct="0">
-              <a:spcBef>
-                <a:spcPct val="0"/>
-              </a:spcBef>
-              <a:spcAft>
-                <a:spcPct val="0"/>
-              </a:spcAft>
-              <a:defRPr sz="2400">
-                <a:solidFill>
-                  <a:schemeClr val="tx1"/>
-                </a:solidFill>
-                <a:latin typeface="Arial" charset="0"/>
-                <a:ea typeface="ＭＳ Ｐゴシック" charset="0"/>
-              </a:defRPr>
-            </a:lvl6pPr>
-            <a:lvl7pPr marL="914400" eaLnBrk="0" fontAlgn="base" hangingPunct="0">
-              <a:spcBef>
-                <a:spcPct val="0"/>
-              </a:spcBef>
-              <a:spcAft>
-                <a:spcPct val="0"/>
-              </a:spcAft>
-              <a:defRPr sz="2400">
-                <a:solidFill>
-                  <a:schemeClr val="tx1"/>
-                </a:solidFill>
-                <a:latin typeface="Arial" charset="0"/>
-                <a:ea typeface="ＭＳ Ｐゴシック" charset="0"/>
-              </a:defRPr>
-            </a:lvl7pPr>
-            <a:lvl8pPr marL="1371600" eaLnBrk="0" fontAlgn="base" hangingPunct="0">
-              <a:spcBef>
-                <a:spcPct val="0"/>
-              </a:spcBef>
-              <a:spcAft>
-                <a:spcPct val="0"/>
-              </a:spcAft>
-              <a:defRPr sz="2400">
-                <a:solidFill>
-                  <a:schemeClr val="tx1"/>
-                </a:solidFill>
-                <a:latin typeface="Arial" charset="0"/>
-                <a:ea typeface="ＭＳ Ｐゴシック" charset="0"/>
-              </a:defRPr>
-            </a:lvl8pPr>
-            <a:lvl9pPr marL="1828800" eaLnBrk="0" fontAlgn="base" hangingPunct="0">
-              <a:spcBef>
-                <a:spcPct val="0"/>
-              </a:spcBef>
-              <a:spcAft>
-                <a:spcPct val="0"/>
-              </a:spcAft>
-              <a:defRPr sz="2400">
-                <a:solidFill>
-                  <a:schemeClr val="tx1"/>
-                </a:solidFill>
-                <a:latin typeface="Arial" charset="0"/>
-                <a:ea typeface="ＭＳ Ｐゴシック" charset="0"/>
-              </a:defRPr>
-            </a:lvl9pPr>
-          </a:lstStyle>
-          <a:p>
-            <a:pPr algn="r" eaLnBrk="1" hangingPunct="1">
-              <a:defRPr/>
-            </a:pPr>
-            <a:r>
-              <a:rPr lang="en-US" sz="1600" b="1">
-                <a:cs typeface="Arial" charset="0"/>
-              </a:rPr>
-              <a:t>http://meetings.cshl.edu/</a:t>
-            </a:r>
-            <a:endParaRPr lang="en-US" sz="1600">
-              <a:cs typeface="Arial" charset="0"/>
-            </a:endParaRPr>
-          </a:p>
-        </p:txBody>
-      </p:sp>
-      <p:sp>
-        <p:nvSpPr>
-          <p:cNvPr id="2" name="Title 1"/>
-          <p:cNvSpPr>
-            <a:spLocks noGrp="1"/>
-          </p:cNvSpPr>
-          <p:nvPr>
-            <p:ph type="title"/>
-          </p:nvPr>
-        </p:nvSpPr>
-        <p:spPr>
-          <a:xfrm>
-            <a:off x="203200" y="274638"/>
-            <a:ext cx="11785600" cy="1143000"/>
-          </a:xfrm>
-        </p:spPr>
-        <p:txBody>
-          <a:bodyPr/>
-          <a:lstStyle>
-            <a:lvl1pPr>
-              <a:defRPr sz="4000" b="1">
-                <a:latin typeface="Calibri"/>
-                <a:cs typeface="Calibri"/>
-              </a:defRPr>
-            </a:lvl1pPr>
-          </a:lstStyle>
-          <a:p>
-            <a:r>
-              <a:rPr lang="en-US" dirty="0"/>
-              <a:t>Click to edit Master title style</a:t>
-            </a:r>
-          </a:p>
-        </p:txBody>
-      </p:sp>
-      <p:sp>
-        <p:nvSpPr>
-          <p:cNvPr id="3" name="Content Placeholder 2"/>
-          <p:cNvSpPr>
-            <a:spLocks noGrp="1"/>
-          </p:cNvSpPr>
-          <p:nvPr>
-            <p:ph idx="1"/>
-          </p:nvPr>
-        </p:nvSpPr>
-        <p:spPr>
-          <a:xfrm>
-            <a:off x="203200" y="1600200"/>
-            <a:ext cx="5791200" cy="4724400"/>
-          </a:xfrm>
-        </p:spPr>
-        <p:txBody>
-          <a:bodyPr/>
-          <a:lstStyle>
-            <a:lvl1pPr>
-              <a:defRPr sz="2800">
-                <a:latin typeface="Calibri"/>
-                <a:cs typeface="Calibri"/>
-              </a:defRPr>
-            </a:lvl1pPr>
-            <a:lvl2pPr>
-              <a:defRPr sz="2400">
-                <a:latin typeface="Calibri"/>
-                <a:cs typeface="Calibri"/>
-              </a:defRPr>
-            </a:lvl2pPr>
-            <a:lvl3pPr>
-              <a:defRPr sz="2000">
-                <a:latin typeface="Calibri"/>
-                <a:cs typeface="Calibri"/>
-              </a:defRPr>
-            </a:lvl3pPr>
-            <a:lvl4pPr>
-              <a:defRPr sz="1800">
-                <a:latin typeface="Calibri"/>
-                <a:cs typeface="Calibri"/>
-              </a:defRPr>
-            </a:lvl4pPr>
-            <a:lvl5pPr>
-              <a:defRPr sz="1800">
-                <a:latin typeface="Calibri"/>
-                <a:cs typeface="Calibri"/>
-              </a:defRPr>
-            </a:lvl5pPr>
-          </a:lstStyle>
-          <a:p>
-            <a:pPr lvl="0"/>
-            <a:r>
-              <a:rPr lang="en-US" dirty="0"/>
-              <a:t>Click to edit Master text styles</a:t>
-            </a:r>
-          </a:p>
-          <a:p>
-            <a:pPr lvl="1"/>
-            <a:r>
-              <a:rPr lang="en-US" dirty="0"/>
-              <a:t>Second level</a:t>
-            </a:r>
-          </a:p>
-          <a:p>
-            <a:pPr lvl="2"/>
-            <a:r>
-              <a:rPr lang="en-US" dirty="0"/>
-              <a:t>Third level</a:t>
-            </a:r>
-          </a:p>
-          <a:p>
-            <a:pPr lvl="3"/>
-            <a:r>
-              <a:rPr lang="en-US" dirty="0"/>
-              <a:t>Fourth level</a:t>
-            </a:r>
-          </a:p>
-          <a:p>
-            <a:pPr lvl="4"/>
-            <a:r>
-              <a:rPr lang="en-US" dirty="0"/>
-              <a:t>Fifth level</a:t>
-            </a:r>
-          </a:p>
-        </p:txBody>
-      </p:sp>
-      <p:sp>
-        <p:nvSpPr>
-          <p:cNvPr id="6" name="Content Placeholder 2"/>
-          <p:cNvSpPr>
-            <a:spLocks noGrp="1"/>
-          </p:cNvSpPr>
-          <p:nvPr>
-            <p:ph idx="10"/>
-          </p:nvPr>
-        </p:nvSpPr>
-        <p:spPr>
-          <a:xfrm>
-            <a:off x="6197600" y="1600200"/>
-            <a:ext cx="5791200" cy="4724400"/>
-          </a:xfrm>
-        </p:spPr>
-        <p:txBody>
-          <a:bodyPr/>
-          <a:lstStyle>
-            <a:lvl1pPr>
-              <a:defRPr sz="2800">
-                <a:latin typeface="Calibri"/>
-                <a:cs typeface="Calibri"/>
-              </a:defRPr>
-            </a:lvl1pPr>
-            <a:lvl2pPr>
-              <a:defRPr sz="2400">
-                <a:latin typeface="Calibri"/>
-                <a:cs typeface="Calibri"/>
-              </a:defRPr>
-            </a:lvl2pPr>
-            <a:lvl3pPr>
-              <a:defRPr sz="2000">
-                <a:latin typeface="Calibri"/>
-                <a:cs typeface="Calibri"/>
-              </a:defRPr>
-            </a:lvl3pPr>
-            <a:lvl4pPr>
-              <a:defRPr sz="1800">
-                <a:latin typeface="Calibri"/>
-                <a:cs typeface="Calibri"/>
-              </a:defRPr>
-            </a:lvl4pPr>
-            <a:lvl5pPr>
-              <a:defRPr sz="1800">
-                <a:latin typeface="Calibri"/>
-                <a:cs typeface="Calibri"/>
-              </a:defRPr>
-            </a:lvl5pPr>
-          </a:lstStyle>
-          <a:p>
-            <a:pPr lvl="0"/>
-            <a:r>
-              <a:rPr lang="en-US" dirty="0"/>
-              <a:t>Click to edit Master text styles</a:t>
-            </a:r>
-          </a:p>
-          <a:p>
-            <a:pPr lvl="1"/>
-            <a:r>
-              <a:rPr lang="en-US" dirty="0"/>
-              <a:t>Second level</a:t>
-            </a:r>
-          </a:p>
-          <a:p>
-            <a:pPr lvl="2"/>
-            <a:r>
-              <a:rPr lang="en-US" dirty="0"/>
-              <a:t>Third level</a:t>
-            </a:r>
-          </a:p>
-          <a:p>
-            <a:pPr lvl="3"/>
-            <a:r>
-              <a:rPr lang="en-US" dirty="0"/>
-              <a:t>Fourth level</a:t>
-            </a:r>
-          </a:p>
-          <a:p>
-            <a:pPr lvl="4"/>
-            <a:r>
-              <a:rPr lang="en-US" dirty="0"/>
-              <a:t>Fifth level</a:t>
-            </a:r>
-          </a:p>
-        </p:txBody>
-      </p:sp>
-    </p:spTree>
-    <p:extLst>
-      <p:ext uri="{BB962C8B-B14F-4D97-AF65-F5344CB8AC3E}">
-        <p14:creationId xmlns:p14="http://schemas.microsoft.com/office/powerpoint/2010/main" val="1487423655"/>
-      </p:ext>
-    </p:extLst>
-  </p:cSld>
-  <p:clrMapOvr>
-    <a:masterClrMapping/>
-  </p:clrMapOvr>
-</p:sldLayout>
-</file>
-
-<file path=ppt/slideLayouts/slideLayout14.xml><?xml version="1.0" encoding="utf-8"?>
-<p:sldLayout xmlns:a="http://schemas.openxmlformats.org/drawingml/2006/main" xmlns:r="http://schemas.openxmlformats.org/officeDocument/2006/relationships" xmlns:p="http://schemas.openxmlformats.org/presentationml/2006/main" userDrawn="1">
   <p:cSld name="Title">
     <p:spTree>
       <p:nvGrpSpPr>
@@ -5118,7 +4159,7 @@
                 <a:latin typeface="Calibri" charset="0"/>
                 <a:cs typeface="Calibri" charset="0"/>
               </a:rPr>
-              <a:t>Module 4 </a:t>
+              <a:t>Module 3 </a:t>
             </a:r>
           </a:p>
         </p:txBody>
@@ -5293,9 +4334,7 @@
     <p:sldLayoutId id="2147483669" r:id="rId9"/>
     <p:sldLayoutId id="2147483670" r:id="rId10"/>
     <p:sldLayoutId id="2147483671" r:id="rId11"/>
-    <p:sldLayoutId id="2147483673" r:id="rId12"/>
-    <p:sldLayoutId id="2147483674" r:id="rId13"/>
-    <p:sldLayoutId id="2147483675" r:id="rId14"/>
+    <p:sldLayoutId id="2147483675" r:id="rId12"/>
   </p:sldLayoutIdLst>
   <p:txStyles>
     <p:titleStyle>
@@ -6183,44 +5222,53 @@
             <p:ph type="title"/>
           </p:nvPr>
         </p:nvSpPr>
+        <p:spPr/>
+        <p:txBody>
+          <a:bodyPr/>
+          <a:lstStyle/>
+          <a:p>
+            <a:pPr algn="ctr"/>
+            <a:r>
+              <a:rPr lang="en-US" b="1" dirty="0" err="1"/>
+              <a:t>gffcompare</a:t>
+            </a:r>
+            <a:endParaRPr lang="en-US" b="1" dirty="0">
+              <a:latin typeface="Calibri" panose="020F0502020204030204" pitchFamily="34" charset="0"/>
+              <a:cs typeface="Calibri" panose="020F0502020204030204" pitchFamily="34" charset="0"/>
+            </a:endParaRPr>
+          </a:p>
+        </p:txBody>
+      </p:sp>
+      <p:sp>
+        <p:nvSpPr>
+          <p:cNvPr id="7" name="Content Placeholder 2">
+            <a:extLst>
+              <a:ext uri="{FF2B5EF4-FFF2-40B4-BE49-F238E27FC236}">
+                <a16:creationId xmlns:a16="http://schemas.microsoft.com/office/drawing/2014/main" id="{3DD2DCB1-7456-FA4B-B5D8-CA06BD02983C}"/>
+              </a:ext>
+            </a:extLst>
+          </p:cNvPr>
+          <p:cNvSpPr>
+            <a:spLocks noGrp="1"/>
+          </p:cNvSpPr>
+          <p:nvPr>
+            <p:ph idx="1"/>
+          </p:nvPr>
+        </p:nvSpPr>
         <p:spPr>
           <a:xfrm>
-            <a:off x="203200" y="0"/>
-            <a:ext cx="11785600" cy="1143000"/>
+            <a:off x="203200" y="1600200"/>
+            <a:ext cx="5791200" cy="4724400"/>
           </a:xfrm>
         </p:spPr>
         <p:txBody>
           <a:bodyPr/>
           <a:lstStyle/>
           <a:p>
-            <a:pPr algn="ctr"/>
             <a:r>
               <a:rPr lang="en-US" dirty="0" err="1"/>
               <a:t>gffcompare</a:t>
             </a:r>
-            <a:endParaRPr lang="en-US" dirty="0"/>
-          </a:p>
-        </p:txBody>
-      </p:sp>
-      <p:sp>
-        <p:nvSpPr>
-          <p:cNvPr id="3" name="Content Placeholder 2"/>
-          <p:cNvSpPr>
-            <a:spLocks noGrp="1"/>
-          </p:cNvSpPr>
-          <p:nvPr>
-            <p:ph idx="1"/>
-          </p:nvPr>
-        </p:nvSpPr>
-        <p:spPr/>
-        <p:txBody>
-          <a:bodyPr/>
-          <a:lstStyle/>
-          <a:p>
-            <a:r>
-              <a:rPr lang="en-US" dirty="0" err="1"/>
-              <a:t>gffcompare</a:t>
-            </a:r>
             <a:r>
               <a:rPr lang="en-US" dirty="0"/>
               <a:t> will compare a merged transcript GTF with known annotation, also in GTF/GFF3 format</a:t>
@@ -6229,37 +5277,37 @@
           <a:p>
             <a:r>
               <a:rPr lang="en-US" sz="1800" dirty="0">
-                <a:hlinkClick r:id="rId2"/>
+                <a:hlinkClick r:id="rId3"/>
               </a:rPr>
               <a:t>http://</a:t>
             </a:r>
             <a:r>
               <a:rPr lang="en-US" sz="1800" dirty="0" err="1">
-                <a:hlinkClick r:id="rId2"/>
+                <a:hlinkClick r:id="rId3"/>
               </a:rPr>
               <a:t>cole-trapnell-lab.github.io</a:t>
             </a:r>
             <a:r>
               <a:rPr lang="en-US" sz="1800" dirty="0">
-                <a:hlinkClick r:id="rId2"/>
+                <a:hlinkClick r:id="rId3"/>
               </a:rPr>
               <a:t>/cufflinks/</a:t>
             </a:r>
             <a:r>
               <a:rPr lang="en-US" sz="1800" dirty="0" err="1">
-                <a:hlinkClick r:id="rId2"/>
+                <a:hlinkClick r:id="rId3"/>
               </a:rPr>
               <a:t>cuffcompare</a:t>
             </a:r>
             <a:r>
               <a:rPr lang="en-US" sz="1800" dirty="0">
-                <a:hlinkClick r:id="rId2"/>
+                <a:hlinkClick r:id="rId3"/>
               </a:rPr>
               <a:t>/</a:t>
             </a:r>
             <a:r>
               <a:rPr lang="en-US" sz="1800" dirty="0" err="1">
-                <a:hlinkClick r:id="rId2"/>
+                <a:hlinkClick r:id="rId3"/>
               </a:rPr>
               <a:t>index.html#cuffcompare-output-files</a:t>
             </a:r>
@@ -6272,16 +5320,20 @@
       </p:sp>
       <p:pic>
         <p:nvPicPr>
-          <p:cNvPr id="5" name="Content Placeholder 4" descr="Screen Shot 2016-11-15 at 8.31.40 AM.png"/>
+          <p:cNvPr id="8" name="Content Placeholder 4" descr="Screen Shot 2016-11-15 at 8.31.40 AM.png">
+            <a:extLst>
+              <a:ext uri="{FF2B5EF4-FFF2-40B4-BE49-F238E27FC236}">
+                <a16:creationId xmlns:a16="http://schemas.microsoft.com/office/drawing/2014/main" id="{EB66E292-7423-2F44-8786-67F2DEEC1B9C}"/>
+              </a:ext>
+            </a:extLst>
+          </p:cNvPr>
           <p:cNvPicPr>
-            <a:picLocks noGrp="1" noChangeAspect="1"/>
+            <a:picLocks noChangeAspect="1"/>
           </p:cNvPicPr>
-          <p:nvPr>
-            <p:ph idx="10"/>
-          </p:nvPr>
+          <p:nvPr/>
         </p:nvPicPr>
         <p:blipFill>
-          <a:blip r:embed="rId3">
+          <a:blip r:embed="rId4">
             <a:extLst>
               <a:ext uri="{28A0092B-C50C-407E-A947-70E740481C1C}">
                 <a14:useLocalDpi xmlns:a14="http://schemas.microsoft.com/office/drawing/2010/main" val="0"/>
@@ -6298,12 +5350,15 @@
             <a:off x="6599820" y="1052736"/>
             <a:ext cx="4846714" cy="5271864"/>
           </a:xfrm>
+          <a:prstGeom prst="rect">
+            <a:avLst/>
+          </a:prstGeom>
         </p:spPr>
       </p:pic>
     </p:spTree>
     <p:extLst>
       <p:ext uri="{BB962C8B-B14F-4D97-AF65-F5344CB8AC3E}">
-        <p14:creationId xmlns:p14="http://schemas.microsoft.com/office/powerpoint/2010/main" val="1420955540"/>
+        <p14:creationId xmlns:p14="http://schemas.microsoft.com/office/powerpoint/2010/main" val="1121938982"/>
       </p:ext>
     </p:extLst>
   </p:cSld>

--- a/assets/lectures/cshl/2019/mini/RNASeq_MiniLecture_03_01_AbundanceEstimation.pptx
+++ b/assets/lectures/cshl/2019/mini/RNASeq_MiniLecture_03_01_AbundanceEstimation.pptx
@@ -206,7 +206,7 @@
           <a:p>
             <a:fld id="{827BD9F9-8452-A342-BB1B-28ECF19E2CC5}" type="datetimeFigureOut">
               <a:rPr lang="en-US" smtClean="0"/>
-              <a:t>11/9/19</a:t>
+              <a:t>11/10/19</a:t>
             </a:fld>
             <a:endParaRPr lang="en-US"/>
           </a:p>
@@ -1537,10 +1537,10 @@
       </p:sp>
       <p:pic>
         <p:nvPicPr>
-          <p:cNvPr id="8" name="Picture 7" descr="bioinformatics.ca-logo-white-text.png">
+          <p:cNvPr id="9" name="Picture 7" descr="cshl_logo_alternate rgb.png">
             <a:extLst>
               <a:ext uri="{FF2B5EF4-FFF2-40B4-BE49-F238E27FC236}">
-                <a16:creationId xmlns:a16="http://schemas.microsoft.com/office/drawing/2014/main" id="{9874B523-0CD5-BC4D-B685-3BCCBF624BF4}"/>
+                <a16:creationId xmlns:a16="http://schemas.microsoft.com/office/drawing/2014/main" id="{5861429C-93CF-764A-B030-2D68199F21B8}"/>
               </a:ext>
             </a:extLst>
           </p:cNvPr>
@@ -1564,8 +1564,8 @@
         </p:blipFill>
         <p:spPr bwMode="auto">
           <a:xfrm>
-            <a:off x="76200" y="1656599"/>
-            <a:ext cx="1729740" cy="727826"/>
+            <a:off x="300038" y="381000"/>
+            <a:ext cx="3509962" cy="1676400"/>
           </a:xfrm>
           <a:prstGeom prst="rect">
             <a:avLst/>
@@ -1980,7 +1980,13 @@
       </p:sp>
       <p:pic>
         <p:nvPicPr>
-          <p:cNvPr id="3" name="Picture 7" descr="cshl_logo_alternate rgb.png"/>
+          <p:cNvPr id="4" name="Picture 7" descr="cshl_logo_alternate rgb.png">
+            <a:extLst>
+              <a:ext uri="{FF2B5EF4-FFF2-40B4-BE49-F238E27FC236}">
+                <a16:creationId xmlns:a16="http://schemas.microsoft.com/office/drawing/2014/main" id="{9FD15C8D-E2CD-EF40-87AB-92B0C68A165A}"/>
+              </a:ext>
+            </a:extLst>
+          </p:cNvPr>
           <p:cNvPicPr>
             <a:picLocks noChangeAspect="1"/>
           </p:cNvPicPr>
@@ -2001,8 +2007,8 @@
         </p:blipFill>
         <p:spPr bwMode="auto">
           <a:xfrm>
-            <a:off x="400052" y="381000"/>
-            <a:ext cx="4679949" cy="1676400"/>
+            <a:off x="300038" y="381000"/>
+            <a:ext cx="3509962" cy="1676400"/>
           </a:xfrm>
           <a:prstGeom prst="rect">
             <a:avLst/>
@@ -4017,14 +4023,14 @@
           </a:ln>
           <a:extLst>
             <a:ext uri="{909E8E84-426E-40dd-AFC4-6F175D3DCCD1}">
-              <a14:hiddenFill xmlns:a14="http://schemas.microsoft.com/office/drawing/2010/main" xmlns="">
+              <a14:hiddenFill xmlns="" xmlns:a14="http://schemas.microsoft.com/office/drawing/2010/main">
                 <a:solidFill>
                   <a:srgbClr val="FFFFFF"/>
                 </a:solidFill>
               </a14:hiddenFill>
             </a:ext>
             <a:ext uri="{91240B29-F687-4f45-9708-019B960494DF}">
-              <a14:hiddenLine xmlns:a14="http://schemas.microsoft.com/office/drawing/2010/main" xmlns="" w="9525">
+              <a14:hiddenLine xmlns="" xmlns:a14="http://schemas.microsoft.com/office/drawing/2010/main" w="9525">
                 <a:solidFill>
                   <a:srgbClr val="000000"/>
                 </a:solidFill>
@@ -4638,145 +4644,6 @@
       </p:grpSpPr>
       <p:sp>
         <p:nvSpPr>
-          <p:cNvPr id="57" name="Rectangle 56"/>
-          <p:cNvSpPr/>
-          <p:nvPr/>
-        </p:nvSpPr>
-        <p:spPr>
-          <a:xfrm>
-            <a:off x="1524001" y="2514601"/>
-            <a:ext cx="5758249" cy="3898557"/>
-          </a:xfrm>
-          <a:prstGeom prst="rect">
-            <a:avLst/>
-          </a:prstGeom>
-          <a:solidFill>
-            <a:schemeClr val="accent1">
-              <a:alpha val="18000"/>
-            </a:schemeClr>
-          </a:solidFill>
-          <a:ln>
-            <a:noFill/>
-          </a:ln>
-        </p:spPr>
-        <p:style>
-          <a:lnRef idx="1">
-            <a:schemeClr val="accent1"/>
-          </a:lnRef>
-          <a:fillRef idx="3">
-            <a:schemeClr val="accent1"/>
-          </a:fillRef>
-          <a:effectRef idx="2">
-            <a:schemeClr val="accent1"/>
-          </a:effectRef>
-          <a:fontRef idx="minor">
-            <a:schemeClr val="lt1"/>
-          </a:fontRef>
-        </p:style>
-        <p:txBody>
-          <a:bodyPr anchor="ctr"/>
-          <a:lstStyle/>
-          <a:p>
-            <a:pPr algn="ctr">
-              <a:defRPr/>
-            </a:pPr>
-            <a:endParaRPr lang="en-US">
-              <a:solidFill>
-                <a:srgbClr val="FFFFFF"/>
-              </a:solidFill>
-              <a:latin typeface="Calibri" charset="0"/>
-              <a:ea typeface="ＭＳ Ｐゴシック" charset="0"/>
-              <a:cs typeface="Calibri" charset="0"/>
-            </a:endParaRPr>
-          </a:p>
-        </p:txBody>
-      </p:sp>
-      <p:pic>
-        <p:nvPicPr>
-          <p:cNvPr id="10242" name="Picture 4" descr="TGI_logo_V_2color_bevel.tiff"/>
-          <p:cNvPicPr>
-            <a:picLocks noChangeAspect="1"/>
-          </p:cNvPicPr>
-          <p:nvPr/>
-        </p:nvPicPr>
-        <p:blipFill>
-          <a:blip r:embed="rId2">
-            <a:extLst>
-              <a:ext uri="{28A0092B-C50C-407E-A947-70E740481C1C}">
-                <a14:useLocalDpi xmlns:a14="http://schemas.microsoft.com/office/drawing/2010/main" val="0"/>
-              </a:ext>
-            </a:extLst>
-          </a:blip>
-          <a:srcRect l="31865" t="30911" r="32492" b="27831"/>
-          <a:stretch>
-            <a:fillRect/>
-          </a:stretch>
-        </p:blipFill>
-        <p:spPr bwMode="auto">
-          <a:xfrm>
-            <a:off x="8112126" y="3744914"/>
-            <a:ext cx="2181225" cy="1893887"/>
-          </a:xfrm>
-          <a:prstGeom prst="rect">
-            <a:avLst/>
-          </a:prstGeom>
-          <a:noFill/>
-          <a:ln>
-            <a:noFill/>
-          </a:ln>
-          <a:extLst>
-            <a:ext uri="{909E8E84-426E-40dd-AFC4-6F175D3DCCD1}">
-              <a14:hiddenFill xmlns:a14="http://schemas.microsoft.com/office/drawing/2010/main" xmlns="">
-                <a:solidFill>
-                  <a:srgbClr val="FFFFFF"/>
-                </a:solidFill>
-              </a14:hiddenFill>
-            </a:ext>
-            <a:ext uri="{91240B29-F687-4f45-9708-019B960494DF}">
-              <a14:hiddenLine xmlns:a14="http://schemas.microsoft.com/office/drawing/2010/main" xmlns="" w="9525">
-                <a:solidFill>
-                  <a:srgbClr val="000000"/>
-                </a:solidFill>
-                <a:miter lim="800000"/>
-                <a:headEnd/>
-                <a:tailEnd/>
-              </a14:hiddenLine>
-            </a:ext>
-          </a:extLst>
-        </p:spPr>
-      </p:pic>
-      <p:pic>
-        <p:nvPicPr>
-          <p:cNvPr id="2" name="Picture 1" descr="DataCenter.jpg"/>
-          <p:cNvPicPr>
-            <a:picLocks noChangeAspect="1"/>
-          </p:cNvPicPr>
-          <p:nvPr/>
-        </p:nvPicPr>
-        <p:blipFill>
-          <a:blip r:embed="rId3" cstate="print">
-            <a:extLst>
-              <a:ext uri="{28A0092B-C50C-407E-A947-70E740481C1C}">
-                <a14:useLocalDpi xmlns:a14="http://schemas.microsoft.com/office/drawing/2010/main" val="0"/>
-              </a:ext>
-            </a:extLst>
-          </a:blip>
-          <a:stretch>
-            <a:fillRect/>
-          </a:stretch>
-        </p:blipFill>
-        <p:spPr>
-          <a:xfrm>
-            <a:off x="1703513" y="2708921"/>
-            <a:ext cx="5133893" cy="3422595"/>
-          </a:xfrm>
-          <a:prstGeom prst="rect">
-            <a:avLst/>
-          </a:prstGeom>
-        </p:spPr>
-      </p:pic>
-      <p:sp>
-        <p:nvSpPr>
           <p:cNvPr id="7" name="Title 1">
             <a:extLst>
               <a:ext uri="{FF2B5EF4-FFF2-40B4-BE49-F238E27FC236}">
@@ -5182,6 +5049,238 @@
           </a:p>
         </p:txBody>
       </p:sp>
+      <p:grpSp>
+        <p:nvGrpSpPr>
+          <p:cNvPr id="11" name="Group 10">
+            <a:extLst>
+              <a:ext uri="{FF2B5EF4-FFF2-40B4-BE49-F238E27FC236}">
+                <a16:creationId xmlns:a16="http://schemas.microsoft.com/office/drawing/2014/main" id="{A6AB7DD5-A61B-6941-92A9-AB0B968E729B}"/>
+              </a:ext>
+            </a:extLst>
+          </p:cNvPr>
+          <p:cNvGrpSpPr/>
+          <p:nvPr/>
+        </p:nvGrpSpPr>
+        <p:grpSpPr>
+          <a:xfrm>
+            <a:off x="367863" y="2514601"/>
+            <a:ext cx="11104782" cy="3898557"/>
+            <a:chOff x="367863" y="2514601"/>
+            <a:chExt cx="11104782" cy="3898557"/>
+          </a:xfrm>
+        </p:grpSpPr>
+        <p:pic>
+          <p:nvPicPr>
+            <p:cNvPr id="12" name="Picture 4" descr="TGI_logo_V_2color_bevel.tiff">
+              <a:extLst>
+                <a:ext uri="{FF2B5EF4-FFF2-40B4-BE49-F238E27FC236}">
+                  <a16:creationId xmlns:a16="http://schemas.microsoft.com/office/drawing/2014/main" id="{B70C140D-71B8-CF40-9F25-A2D638098404}"/>
+                </a:ext>
+              </a:extLst>
+            </p:cNvPr>
+            <p:cNvPicPr>
+              <a:picLocks noChangeAspect="1"/>
+            </p:cNvPicPr>
+            <p:nvPr/>
+          </p:nvPicPr>
+          <p:blipFill>
+            <a:blip r:embed="rId2">
+              <a:extLst>
+                <a:ext uri="{28A0092B-C50C-407E-A947-70E740481C1C}">
+                  <a14:useLocalDpi xmlns:a14="http://schemas.microsoft.com/office/drawing/2010/main" val="0"/>
+                </a:ext>
+              </a:extLst>
+            </a:blip>
+            <a:srcRect l="31865" t="30911" r="32492" b="27831"/>
+            <a:stretch>
+              <a:fillRect/>
+            </a:stretch>
+          </p:blipFill>
+          <p:spPr bwMode="auto">
+            <a:xfrm>
+              <a:off x="8916770" y="3326484"/>
+              <a:ext cx="2555875" cy="2219183"/>
+            </a:xfrm>
+            <a:prstGeom prst="rect">
+              <a:avLst/>
+            </a:prstGeom>
+            <a:noFill/>
+            <a:ln>
+              <a:noFill/>
+            </a:ln>
+            <a:extLst>
+              <a:ext uri="{909E8E84-426E-40dd-AFC4-6F175D3DCCD1}">
+                <a14:hiddenFill xmlns="" xmlns:a14="http://schemas.microsoft.com/office/drawing/2010/main">
+                  <a:solidFill>
+                    <a:srgbClr val="FFFFFF"/>
+                  </a:solidFill>
+                </a14:hiddenFill>
+              </a:ext>
+              <a:ext uri="{91240B29-F687-4f45-9708-019B960494DF}">
+                <a14:hiddenLine xmlns="" xmlns:a14="http://schemas.microsoft.com/office/drawing/2010/main" w="9525">
+                  <a:solidFill>
+                    <a:srgbClr val="000000"/>
+                  </a:solidFill>
+                  <a:miter lim="800000"/>
+                  <a:headEnd/>
+                  <a:tailEnd/>
+                </a14:hiddenLine>
+              </a:ext>
+            </a:extLst>
+          </p:spPr>
+        </p:pic>
+        <p:sp>
+          <p:nvSpPr>
+            <p:cNvPr id="13" name="Rectangle 12">
+              <a:extLst>
+                <a:ext uri="{FF2B5EF4-FFF2-40B4-BE49-F238E27FC236}">
+                  <a16:creationId xmlns:a16="http://schemas.microsoft.com/office/drawing/2014/main" id="{BF3BA31B-9979-6846-BF76-EB0626D4A54B}"/>
+                </a:ext>
+              </a:extLst>
+            </p:cNvPr>
+            <p:cNvSpPr/>
+            <p:nvPr/>
+          </p:nvSpPr>
+          <p:spPr>
+            <a:xfrm>
+              <a:off x="367863" y="2514601"/>
+              <a:ext cx="7819697" cy="3898557"/>
+            </a:xfrm>
+            <a:prstGeom prst="rect">
+              <a:avLst/>
+            </a:prstGeom>
+            <a:solidFill>
+              <a:schemeClr val="accent1">
+                <a:alpha val="18000"/>
+              </a:schemeClr>
+            </a:solidFill>
+            <a:ln>
+              <a:noFill/>
+            </a:ln>
+          </p:spPr>
+          <p:style>
+            <a:lnRef idx="1">
+              <a:schemeClr val="accent1"/>
+            </a:lnRef>
+            <a:fillRef idx="3">
+              <a:schemeClr val="accent1"/>
+            </a:fillRef>
+            <a:effectRef idx="2">
+              <a:schemeClr val="accent1"/>
+            </a:effectRef>
+            <a:fontRef idx="minor">
+              <a:schemeClr val="lt1"/>
+            </a:fontRef>
+          </p:style>
+          <p:txBody>
+            <a:bodyPr anchor="ctr"/>
+            <a:lstStyle/>
+            <a:p>
+              <a:pPr algn="ctr">
+                <a:defRPr/>
+              </a:pPr>
+              <a:endParaRPr lang="en-US">
+                <a:solidFill>
+                  <a:srgbClr val="FFFFFF"/>
+                </a:solidFill>
+                <a:latin typeface="Calibri" charset="0"/>
+                <a:ea typeface="ＭＳ Ｐゴシック" charset="0"/>
+                <a:cs typeface="Calibri" charset="0"/>
+              </a:endParaRPr>
+            </a:p>
+          </p:txBody>
+        </p:sp>
+        <p:pic>
+          <p:nvPicPr>
+            <p:cNvPr id="14" name="Picture 13">
+              <a:extLst>
+                <a:ext uri="{FF2B5EF4-FFF2-40B4-BE49-F238E27FC236}">
+                  <a16:creationId xmlns:a16="http://schemas.microsoft.com/office/drawing/2014/main" id="{CE244092-1F2A-D344-9917-27ADDA185B75}"/>
+                </a:ext>
+              </a:extLst>
+            </p:cNvPr>
+            <p:cNvPicPr>
+              <a:picLocks noChangeAspect="1"/>
+            </p:cNvPicPr>
+            <p:nvPr/>
+          </p:nvPicPr>
+          <p:blipFill>
+            <a:blip r:embed="rId3"/>
+            <a:stretch>
+              <a:fillRect/>
+            </a:stretch>
+          </p:blipFill>
+          <p:spPr>
+            <a:xfrm>
+              <a:off x="488540" y="2640653"/>
+              <a:ext cx="3632886" cy="3632886"/>
+            </a:xfrm>
+            <a:prstGeom prst="rect">
+              <a:avLst/>
+            </a:prstGeom>
+          </p:spPr>
+        </p:pic>
+        <p:pic>
+          <p:nvPicPr>
+            <p:cNvPr id="15" name="Picture 1" descr="RNA-Seq-alignment.png">
+              <a:extLst>
+                <a:ext uri="{FF2B5EF4-FFF2-40B4-BE49-F238E27FC236}">
+                  <a16:creationId xmlns:a16="http://schemas.microsoft.com/office/drawing/2014/main" id="{23A709C2-8C11-A547-A7AD-015F7B9E5081}"/>
+                </a:ext>
+              </a:extLst>
+            </p:cNvPr>
+            <p:cNvPicPr>
+              <a:picLocks noChangeAspect="1"/>
+            </p:cNvPicPr>
+            <p:nvPr/>
+          </p:nvPicPr>
+          <p:blipFill>
+            <a:blip r:embed="rId4">
+              <a:extLst>
+                <a:ext uri="{28A0092B-C50C-407E-A947-70E740481C1C}">
+                  <a14:useLocalDpi xmlns:a14="http://schemas.microsoft.com/office/drawing/2010/main" val="0"/>
+                </a:ext>
+              </a:extLst>
+            </a:blip>
+            <a:srcRect/>
+            <a:stretch>
+              <a:fillRect/>
+            </a:stretch>
+          </p:blipFill>
+          <p:spPr bwMode="auto">
+            <a:xfrm>
+              <a:off x="4253254" y="2640653"/>
+              <a:ext cx="3797615" cy="3637252"/>
+            </a:xfrm>
+            <a:prstGeom prst="rect">
+              <a:avLst/>
+            </a:prstGeom>
+            <a:noFill/>
+            <a:ln>
+              <a:noFill/>
+            </a:ln>
+            <a:extLst>
+              <a:ext uri="{909E8E84-426E-40dd-AFC4-6F175D3DCCD1}">
+                <a14:hiddenFill xmlns="" xmlns:a14="http://schemas.microsoft.com/office/drawing/2010/main">
+                  <a:solidFill>
+                    <a:srgbClr val="FFFFFF"/>
+                  </a:solidFill>
+                </a14:hiddenFill>
+              </a:ext>
+              <a:ext uri="{91240B29-F687-4f45-9708-019B960494DF}">
+                <a14:hiddenLine xmlns="" xmlns:a14="http://schemas.microsoft.com/office/drawing/2010/main" w="9525">
+                  <a:solidFill>
+                    <a:srgbClr val="000000"/>
+                  </a:solidFill>
+                  <a:miter lim="800000"/>
+                  <a:headEnd/>
+                  <a:tailEnd/>
+                </a14:hiddenLine>
+              </a:ext>
+            </a:extLst>
+          </p:spPr>
+        </p:pic>
+      </p:grpSp>
     </p:spTree>
     <p:extLst>
       <p:ext uri="{BB962C8B-B14F-4D97-AF65-F5344CB8AC3E}">
@@ -5476,14 +5575,14 @@
           </a:ln>
           <a:extLst>
             <a:ext uri="{909E8E84-426E-40dd-AFC4-6F175D3DCCD1}">
-              <a14:hiddenFill xmlns="" xmlns:a14="http://schemas.microsoft.com/office/drawing/2010/main">
+              <a14:hiddenFill xmlns:a14="http://schemas.microsoft.com/office/drawing/2010/main" xmlns="">
                 <a:solidFill>
                   <a:srgbClr val="FFFFFF"/>
                 </a:solidFill>
               </a14:hiddenFill>
             </a:ext>
             <a:ext uri="{91240B29-F687-4f45-9708-019B960494DF}">
-              <a14:hiddenLine xmlns="" xmlns:a14="http://schemas.microsoft.com/office/drawing/2010/main" w="9525">
+              <a14:hiddenLine xmlns:a14="http://schemas.microsoft.com/office/drawing/2010/main" xmlns="" w="9525">
                 <a:solidFill>
                   <a:srgbClr val="000000"/>
                 </a:solidFill>
@@ -5673,14 +5772,14 @@
           </a:ln>
           <a:extLst>
             <a:ext uri="{909E8E84-426E-40dd-AFC4-6F175D3DCCD1}">
-              <a14:hiddenFill xmlns="" xmlns:a14="http://schemas.microsoft.com/office/drawing/2010/main">
+              <a14:hiddenFill xmlns:a14="http://schemas.microsoft.com/office/drawing/2010/main" xmlns="">
                 <a:solidFill>
                   <a:srgbClr val="FFFFFF"/>
                 </a:solidFill>
               </a14:hiddenFill>
             </a:ext>
             <a:ext uri="{91240B29-F687-4f45-9708-019B960494DF}">
-              <a14:hiddenLine xmlns="" xmlns:a14="http://schemas.microsoft.com/office/drawing/2010/main" w="9525">
+              <a14:hiddenLine xmlns:a14="http://schemas.microsoft.com/office/drawing/2010/main" xmlns="" w="9525">
                 <a:solidFill>
                   <a:srgbClr val="000000"/>
                 </a:solidFill>

--- a/assets/lectures/cshl/2019/mini/RNASeq_MiniLecture_03_01_AbundanceEstimation.pptx
+++ b/assets/lectures/cshl/2019/mini/RNASeq_MiniLecture_03_01_AbundanceEstimation.pptx
@@ -889,29 +889,7 @@
                 <a:ea typeface="ＭＳ Ｐゴシック" pitchFamily="-28" charset="-128"/>
                 <a:cs typeface="ＭＳ Ｐゴシック" pitchFamily="-28" charset="-128"/>
               </a:rPr>
-              <a:t>The </a:t>
-            </a:r>
-            <a:r>
-              <a:rPr lang="en-US" sz="1200" b="0" i="0" u="none" strike="noStrike" kern="1200" baseline="0" dirty="0" err="1">
-                <a:solidFill>
-                  <a:schemeClr val="tx1"/>
-                </a:solidFill>
-                <a:latin typeface="+mn-lt"/>
-                <a:ea typeface="ＭＳ Ｐゴシック" pitchFamily="-28" charset="-128"/>
-                <a:cs typeface="ＭＳ Ｐゴシック" pitchFamily="-28" charset="-128"/>
-              </a:rPr>
-              <a:t>StringTie</a:t>
-            </a:r>
-            <a:r>
-              <a:rPr lang="en-US" sz="1200" b="0" i="0" u="none" strike="noStrike" kern="1200" baseline="0" dirty="0">
-                <a:solidFill>
-                  <a:schemeClr val="tx1"/>
-                </a:solidFill>
-                <a:latin typeface="+mn-lt"/>
-                <a:ea typeface="ＭＳ Ｐゴシック" pitchFamily="-28" charset="-128"/>
-                <a:cs typeface="ＭＳ Ｐゴシック" pitchFamily="-28" charset="-128"/>
-              </a:rPr>
-              <a:t> algorithm: RNA-</a:t>
+              <a:t>The StringTie algorithm: RNA-</a:t>
             </a:r>
             <a:r>
               <a:rPr lang="en-US" sz="1200" b="0" i="0" u="none" strike="noStrike" kern="1200" baseline="0" dirty="0" err="1">
@@ -1072,7 +1050,7 @@
           </a:p>
           <a:p>
             <a:r>
-              <a:rPr lang="en-US" sz="1200" b="0" i="0" u="none" strike="noStrike" kern="1200" baseline="0" dirty="0" err="1">
+              <a:rPr lang="en-US" sz="1200" b="0" i="0" u="none" strike="noStrike" kern="1200" baseline="0" dirty="0">
                 <a:solidFill>
                   <a:schemeClr val="tx1"/>
                 </a:solidFill>
@@ -1080,18 +1058,7 @@
                 <a:ea typeface="ＭＳ Ｐゴシック" pitchFamily="-28" charset="-128"/>
                 <a:cs typeface="ＭＳ Ｐゴシック" pitchFamily="-28" charset="-128"/>
               </a:rPr>
-              <a:t>StringTie</a:t>
-            </a:r>
-            <a:r>
-              <a:rPr lang="en-US" sz="1200" b="0" i="0" u="none" strike="noStrike" kern="1200" baseline="0" dirty="0">
-                <a:solidFill>
-                  <a:schemeClr val="tx1"/>
-                </a:solidFill>
-                <a:latin typeface="+mn-lt"/>
-                <a:ea typeface="ＭＳ Ｐゴシック" pitchFamily="-28" charset="-128"/>
-                <a:cs typeface="ＭＳ Ｐゴシック" pitchFamily="-28" charset="-128"/>
-              </a:rPr>
-              <a:t> estimates the coverage level of the transcript by solving a maximum-flow problem that determines the maximum number of fragments that can be associated with the chosen transcript. </a:t>
+              <a:t>StringTie estimates the coverage level of the transcript by solving a maximum-flow problem that determines the maximum number of fragments that can be associated with the chosen transcript. </a:t>
             </a:r>
           </a:p>
           <a:p>
@@ -1443,35 +1410,6 @@
               <a:rPr lang="en-US"/>
               <a:t>Click to edit Master subtitle style</a:t>
             </a:r>
-          </a:p>
-        </p:txBody>
-      </p:sp>
-      <p:sp>
-        <p:nvSpPr>
-          <p:cNvPr id="6" name="Slide Number Placeholder 5">
-            <a:extLst>
-              <a:ext uri="{FF2B5EF4-FFF2-40B4-BE49-F238E27FC236}">
-                <a16:creationId xmlns:a16="http://schemas.microsoft.com/office/drawing/2014/main" id="{D7256FAD-87EC-594B-B262-2B748B57FD14}"/>
-              </a:ext>
-            </a:extLst>
-          </p:cNvPr>
-          <p:cNvSpPr>
-            <a:spLocks noGrp="1"/>
-          </p:cNvSpPr>
-          <p:nvPr>
-            <p:ph type="sldNum" sz="quarter" idx="12"/>
-          </p:nvPr>
-        </p:nvSpPr>
-        <p:spPr/>
-        <p:txBody>
-          <a:bodyPr/>
-          <a:lstStyle/>
-          <a:p>
-            <a:fld id="{0B973F48-4628-F846-BA33-DDE653D83577}" type="slidenum">
-              <a:rPr lang="en-US" smtClean="0"/>
-              <a:t>‹#›</a:t>
-            </a:fld>
-            <a:endParaRPr lang="en-US"/>
           </a:p>
         </p:txBody>
       </p:sp>
@@ -1576,14 +1514,14 @@
           </a:ln>
           <a:extLst>
             <a:ext uri="{909E8E84-426E-40dd-AFC4-6F175D3DCCD1}">
-              <a14:hiddenFill xmlns:a14="http://schemas.microsoft.com/office/drawing/2010/main" xmlns="">
+              <a14:hiddenFill xmlns="" xmlns:a14="http://schemas.microsoft.com/office/drawing/2010/main">
                 <a:solidFill>
                   <a:srgbClr val="FFFFFF"/>
                 </a:solidFill>
               </a14:hiddenFill>
             </a:ext>
             <a:ext uri="{91240B29-F687-4f45-9708-019B960494DF}">
-              <a14:hiddenLine xmlns:a14="http://schemas.microsoft.com/office/drawing/2010/main" xmlns="" w="9525">
+              <a14:hiddenLine xmlns="" xmlns:a14="http://schemas.microsoft.com/office/drawing/2010/main" w="9525">
                 <a:solidFill>
                   <a:srgbClr val="000000"/>
                 </a:solidFill>
@@ -1710,35 +1648,6 @@
           </a:p>
         </p:txBody>
       </p:sp>
-      <p:sp>
-        <p:nvSpPr>
-          <p:cNvPr id="6" name="Slide Number Placeholder 5">
-            <a:extLst>
-              <a:ext uri="{FF2B5EF4-FFF2-40B4-BE49-F238E27FC236}">
-                <a16:creationId xmlns:a16="http://schemas.microsoft.com/office/drawing/2014/main" id="{CE0222C1-21B6-E14F-9F34-4E0C4221C434}"/>
-              </a:ext>
-            </a:extLst>
-          </p:cNvPr>
-          <p:cNvSpPr>
-            <a:spLocks noGrp="1"/>
-          </p:cNvSpPr>
-          <p:nvPr>
-            <p:ph type="sldNum" sz="quarter" idx="12"/>
-          </p:nvPr>
-        </p:nvSpPr>
-        <p:spPr/>
-        <p:txBody>
-          <a:bodyPr/>
-          <a:lstStyle/>
-          <a:p>
-            <a:fld id="{0B973F48-4628-F846-BA33-DDE653D83577}" type="slidenum">
-              <a:rPr lang="en-US" smtClean="0"/>
-              <a:t>‹#›</a:t>
-            </a:fld>
-            <a:endParaRPr lang="en-US"/>
-          </a:p>
-        </p:txBody>
-      </p:sp>
     </p:spTree>
     <p:extLst>
       <p:ext uri="{BB962C8B-B14F-4D97-AF65-F5344CB8AC3E}">
@@ -1861,35 +1770,6 @@
               <a:rPr lang="en-US"/>
               <a:t>Fifth level</a:t>
             </a:r>
-          </a:p>
-        </p:txBody>
-      </p:sp>
-      <p:sp>
-        <p:nvSpPr>
-          <p:cNvPr id="6" name="Slide Number Placeholder 5">
-            <a:extLst>
-              <a:ext uri="{FF2B5EF4-FFF2-40B4-BE49-F238E27FC236}">
-                <a16:creationId xmlns:a16="http://schemas.microsoft.com/office/drawing/2014/main" id="{C4C2FCA7-7A48-5E4F-BC6A-8A3BDBEAC3C1}"/>
-              </a:ext>
-            </a:extLst>
-          </p:cNvPr>
-          <p:cNvSpPr>
-            <a:spLocks noGrp="1"/>
-          </p:cNvSpPr>
-          <p:nvPr>
-            <p:ph type="sldNum" sz="quarter" idx="12"/>
-          </p:nvPr>
-        </p:nvSpPr>
-        <p:spPr/>
-        <p:txBody>
-          <a:bodyPr/>
-          <a:lstStyle/>
-          <a:p>
-            <a:fld id="{0B973F48-4628-F846-BA33-DDE653D83577}" type="slidenum">
-              <a:rPr lang="en-US" smtClean="0"/>
-              <a:t>‹#›</a:t>
-            </a:fld>
-            <a:endParaRPr lang="en-US"/>
           </a:p>
         </p:txBody>
       </p:sp>
@@ -2019,14 +1899,14 @@
           </a:ln>
           <a:extLst>
             <a:ext uri="{909E8E84-426E-40dd-AFC4-6F175D3DCCD1}">
-              <a14:hiddenFill xmlns:a14="http://schemas.microsoft.com/office/drawing/2010/main" xmlns="">
+              <a14:hiddenFill xmlns="" xmlns:a14="http://schemas.microsoft.com/office/drawing/2010/main">
                 <a:solidFill>
                   <a:srgbClr val="FFFFFF"/>
                 </a:solidFill>
               </a14:hiddenFill>
             </a:ext>
             <a:ext uri="{91240B29-F687-4f45-9708-019B960494DF}">
-              <a14:hiddenLine xmlns:a14="http://schemas.microsoft.com/office/drawing/2010/main" xmlns="" w="9525">
+              <a14:hiddenLine xmlns="" xmlns:a14="http://schemas.microsoft.com/office/drawing/2010/main" w="9525">
                 <a:solidFill>
                   <a:srgbClr val="000000"/>
                 </a:solidFill>
@@ -2153,35 +2033,6 @@
           </a:p>
         </p:txBody>
       </p:sp>
-      <p:sp>
-        <p:nvSpPr>
-          <p:cNvPr id="6" name="Slide Number Placeholder 5">
-            <a:extLst>
-              <a:ext uri="{FF2B5EF4-FFF2-40B4-BE49-F238E27FC236}">
-                <a16:creationId xmlns:a16="http://schemas.microsoft.com/office/drawing/2014/main" id="{BBA7E5F7-C396-4941-BBC4-7BEAF927C071}"/>
-              </a:ext>
-            </a:extLst>
-          </p:cNvPr>
-          <p:cNvSpPr>
-            <a:spLocks noGrp="1"/>
-          </p:cNvSpPr>
-          <p:nvPr>
-            <p:ph type="sldNum" sz="quarter" idx="12"/>
-          </p:nvPr>
-        </p:nvSpPr>
-        <p:spPr/>
-        <p:txBody>
-          <a:bodyPr/>
-          <a:lstStyle/>
-          <a:p>
-            <a:fld id="{0B973F48-4628-F846-BA33-DDE653D83577}" type="slidenum">
-              <a:rPr lang="en-US" smtClean="0"/>
-              <a:t>‹#›</a:t>
-            </a:fld>
-            <a:endParaRPr lang="en-US"/>
-          </a:p>
-        </p:txBody>
-      </p:sp>
     </p:spTree>
     <p:extLst>
       <p:ext uri="{BB962C8B-B14F-4D97-AF65-F5344CB8AC3E}">
@@ -2374,35 +2225,6 @@
           </a:p>
         </p:txBody>
       </p:sp>
-      <p:sp>
-        <p:nvSpPr>
-          <p:cNvPr id="6" name="Slide Number Placeholder 5">
-            <a:extLst>
-              <a:ext uri="{FF2B5EF4-FFF2-40B4-BE49-F238E27FC236}">
-                <a16:creationId xmlns:a16="http://schemas.microsoft.com/office/drawing/2014/main" id="{E5EEE93E-C8A1-354A-AF1E-19A5283E305A}"/>
-              </a:ext>
-            </a:extLst>
-          </p:cNvPr>
-          <p:cNvSpPr>
-            <a:spLocks noGrp="1"/>
-          </p:cNvSpPr>
-          <p:nvPr>
-            <p:ph type="sldNum" sz="quarter" idx="12"/>
-          </p:nvPr>
-        </p:nvSpPr>
-        <p:spPr/>
-        <p:txBody>
-          <a:bodyPr/>
-          <a:lstStyle/>
-          <a:p>
-            <a:fld id="{0B973F48-4628-F846-BA33-DDE653D83577}" type="slidenum">
-              <a:rPr lang="en-US" smtClean="0"/>
-              <a:t>‹#›</a:t>
-            </a:fld>
-            <a:endParaRPr lang="en-US"/>
-          </a:p>
-        </p:txBody>
-      </p:sp>
     </p:spTree>
     <p:extLst>
       <p:ext uri="{BB962C8B-B14F-4D97-AF65-F5344CB8AC3E}">
@@ -2582,35 +2404,6 @@
               <a:rPr lang="en-US"/>
               <a:t>Fifth level</a:t>
             </a:r>
-          </a:p>
-        </p:txBody>
-      </p:sp>
-      <p:sp>
-        <p:nvSpPr>
-          <p:cNvPr id="7" name="Slide Number Placeholder 6">
-            <a:extLst>
-              <a:ext uri="{FF2B5EF4-FFF2-40B4-BE49-F238E27FC236}">
-                <a16:creationId xmlns:a16="http://schemas.microsoft.com/office/drawing/2014/main" id="{FB759064-C295-474C-91BC-B8179C14C201}"/>
-              </a:ext>
-            </a:extLst>
-          </p:cNvPr>
-          <p:cNvSpPr>
-            <a:spLocks noGrp="1"/>
-          </p:cNvSpPr>
-          <p:nvPr>
-            <p:ph type="sldNum" sz="quarter" idx="12"/>
-          </p:nvPr>
-        </p:nvSpPr>
-        <p:spPr/>
-        <p:txBody>
-          <a:bodyPr/>
-          <a:lstStyle/>
-          <a:p>
-            <a:fld id="{0B973F48-4628-F846-BA33-DDE653D83577}" type="slidenum">
-              <a:rPr lang="en-US" smtClean="0"/>
-              <a:t>‹#›</a:t>
-            </a:fld>
-            <a:endParaRPr lang="en-US"/>
           </a:p>
         </p:txBody>
       </p:sp>
@@ -2943,35 +2736,6 @@
           </a:p>
         </p:txBody>
       </p:sp>
-      <p:sp>
-        <p:nvSpPr>
-          <p:cNvPr id="9" name="Slide Number Placeholder 8">
-            <a:extLst>
-              <a:ext uri="{FF2B5EF4-FFF2-40B4-BE49-F238E27FC236}">
-                <a16:creationId xmlns:a16="http://schemas.microsoft.com/office/drawing/2014/main" id="{B72AE139-D882-D94E-B377-D84A207665BF}"/>
-              </a:ext>
-            </a:extLst>
-          </p:cNvPr>
-          <p:cNvSpPr>
-            <a:spLocks noGrp="1"/>
-          </p:cNvSpPr>
-          <p:nvPr>
-            <p:ph type="sldNum" sz="quarter" idx="12"/>
-          </p:nvPr>
-        </p:nvSpPr>
-        <p:spPr/>
-        <p:txBody>
-          <a:bodyPr/>
-          <a:lstStyle/>
-          <a:p>
-            <a:fld id="{0B973F48-4628-F846-BA33-DDE653D83577}" type="slidenum">
-              <a:rPr lang="en-US" smtClean="0"/>
-              <a:t>‹#›</a:t>
-            </a:fld>
-            <a:endParaRPr lang="en-US"/>
-          </a:p>
-        </p:txBody>
-      </p:sp>
     </p:spTree>
     <p:extLst>
       <p:ext uri="{BB962C8B-B14F-4D97-AF65-F5344CB8AC3E}">
@@ -3030,35 +2794,6 @@
           </a:p>
         </p:txBody>
       </p:sp>
-      <p:sp>
-        <p:nvSpPr>
-          <p:cNvPr id="5" name="Slide Number Placeholder 4">
-            <a:extLst>
-              <a:ext uri="{FF2B5EF4-FFF2-40B4-BE49-F238E27FC236}">
-                <a16:creationId xmlns:a16="http://schemas.microsoft.com/office/drawing/2014/main" id="{81EC7837-FC7B-6043-8182-02D7718729CA}"/>
-              </a:ext>
-            </a:extLst>
-          </p:cNvPr>
-          <p:cNvSpPr>
-            <a:spLocks noGrp="1"/>
-          </p:cNvSpPr>
-          <p:nvPr>
-            <p:ph type="sldNum" sz="quarter" idx="12"/>
-          </p:nvPr>
-        </p:nvSpPr>
-        <p:spPr/>
-        <p:txBody>
-          <a:bodyPr/>
-          <a:lstStyle/>
-          <a:p>
-            <a:fld id="{0B973F48-4628-F846-BA33-DDE653D83577}" type="slidenum">
-              <a:rPr lang="en-US" smtClean="0"/>
-              <a:t>‹#›</a:t>
-            </a:fld>
-            <a:endParaRPr lang="en-US"/>
-          </a:p>
-        </p:txBody>
-      </p:sp>
     </p:spTree>
     <p:extLst>
       <p:ext uri="{BB962C8B-B14F-4D97-AF65-F5344CB8AC3E}">
@@ -3089,35 +2824,6 @@
           <a:chExt cx="0" cy="0"/>
         </a:xfrm>
       </p:grpSpPr>
-      <p:sp>
-        <p:nvSpPr>
-          <p:cNvPr id="4" name="Slide Number Placeholder 3">
-            <a:extLst>
-              <a:ext uri="{FF2B5EF4-FFF2-40B4-BE49-F238E27FC236}">
-                <a16:creationId xmlns:a16="http://schemas.microsoft.com/office/drawing/2014/main" id="{D575A9DD-FA0A-D64B-B42E-72A4B0E3557A}"/>
-              </a:ext>
-            </a:extLst>
-          </p:cNvPr>
-          <p:cNvSpPr>
-            <a:spLocks noGrp="1"/>
-          </p:cNvSpPr>
-          <p:nvPr>
-            <p:ph type="sldNum" sz="quarter" idx="12"/>
-          </p:nvPr>
-        </p:nvSpPr>
-        <p:spPr/>
-        <p:txBody>
-          <a:bodyPr/>
-          <a:lstStyle/>
-          <a:p>
-            <a:fld id="{0B973F48-4628-F846-BA33-DDE653D83577}" type="slidenum">
-              <a:rPr lang="en-US" smtClean="0"/>
-              <a:t>‹#›</a:t>
-            </a:fld>
-            <a:endParaRPr lang="en-US"/>
-          </a:p>
-        </p:txBody>
-      </p:sp>
     </p:spTree>
     <p:extLst>
       <p:ext uri="{BB962C8B-B14F-4D97-AF65-F5344CB8AC3E}">
@@ -3346,35 +3052,6 @@
           </a:p>
         </p:txBody>
       </p:sp>
-      <p:sp>
-        <p:nvSpPr>
-          <p:cNvPr id="7" name="Slide Number Placeholder 6">
-            <a:extLst>
-              <a:ext uri="{FF2B5EF4-FFF2-40B4-BE49-F238E27FC236}">
-                <a16:creationId xmlns:a16="http://schemas.microsoft.com/office/drawing/2014/main" id="{3BCAFAD0-D61F-3F4F-8E0D-9A64CA7C4640}"/>
-              </a:ext>
-            </a:extLst>
-          </p:cNvPr>
-          <p:cNvSpPr>
-            <a:spLocks noGrp="1"/>
-          </p:cNvSpPr>
-          <p:nvPr>
-            <p:ph type="sldNum" sz="quarter" idx="12"/>
-          </p:nvPr>
-        </p:nvSpPr>
-        <p:spPr/>
-        <p:txBody>
-          <a:bodyPr/>
-          <a:lstStyle/>
-          <a:p>
-            <a:fld id="{0B973F48-4628-F846-BA33-DDE653D83577}" type="slidenum">
-              <a:rPr lang="en-US" smtClean="0"/>
-              <a:t>‹#›</a:t>
-            </a:fld>
-            <a:endParaRPr lang="en-US"/>
-          </a:p>
-        </p:txBody>
-      </p:sp>
     </p:spTree>
     <p:extLst>
       <p:ext uri="{BB962C8B-B14F-4D97-AF65-F5344CB8AC3E}">
@@ -3580,35 +3257,6 @@
           </a:p>
         </p:txBody>
       </p:sp>
-      <p:sp>
-        <p:nvSpPr>
-          <p:cNvPr id="7" name="Slide Number Placeholder 6">
-            <a:extLst>
-              <a:ext uri="{FF2B5EF4-FFF2-40B4-BE49-F238E27FC236}">
-                <a16:creationId xmlns:a16="http://schemas.microsoft.com/office/drawing/2014/main" id="{7E12F28C-AB7A-EF4C-84CD-F4B5CE4282E4}"/>
-              </a:ext>
-            </a:extLst>
-          </p:cNvPr>
-          <p:cNvSpPr>
-            <a:spLocks noGrp="1"/>
-          </p:cNvSpPr>
-          <p:nvPr>
-            <p:ph type="sldNum" sz="quarter" idx="12"/>
-          </p:nvPr>
-        </p:nvSpPr>
-        <p:spPr/>
-        <p:txBody>
-          <a:bodyPr/>
-          <a:lstStyle/>
-          <a:p>
-            <a:fld id="{0B973F48-4628-F846-BA33-DDE653D83577}" type="slidenum">
-              <a:rPr lang="en-US" smtClean="0"/>
-              <a:t>‹#›</a:t>
-            </a:fld>
-            <a:endParaRPr lang="en-US"/>
-          </a:p>
-        </p:txBody>
-      </p:sp>
     </p:spTree>
     <p:extLst>
       <p:ext uri="{BB962C8B-B14F-4D97-AF65-F5344CB8AC3E}">
@@ -3751,53 +3399,6 @@
       </p:sp>
       <p:sp>
         <p:nvSpPr>
-          <p:cNvPr id="6" name="Slide Number Placeholder 5">
-            <a:extLst>
-              <a:ext uri="{FF2B5EF4-FFF2-40B4-BE49-F238E27FC236}">
-                <a16:creationId xmlns:a16="http://schemas.microsoft.com/office/drawing/2014/main" id="{7F50DDCB-DB12-4B4D-B2A3-DF7E27851109}"/>
-              </a:ext>
-            </a:extLst>
-          </p:cNvPr>
-          <p:cNvSpPr>
-            <a:spLocks noGrp="1"/>
-          </p:cNvSpPr>
-          <p:nvPr>
-            <p:ph type="sldNum" sz="quarter" idx="4"/>
-          </p:nvPr>
-        </p:nvSpPr>
-        <p:spPr>
-          <a:xfrm>
-            <a:off x="9448800" y="6065837"/>
-            <a:ext cx="2743200" cy="365125"/>
-          </a:xfrm>
-          <a:prstGeom prst="rect">
-            <a:avLst/>
-          </a:prstGeom>
-        </p:spPr>
-        <p:txBody>
-          <a:bodyPr vert="horz" lIns="91440" tIns="45720" rIns="91440" bIns="45720" rtlCol="0" anchor="ctr"/>
-          <a:lstStyle>
-            <a:lvl1pPr algn="r">
-              <a:defRPr sz="1200">
-                <a:solidFill>
-                  <a:schemeClr val="tx1">
-                    <a:tint val="75000"/>
-                  </a:schemeClr>
-                </a:solidFill>
-              </a:defRPr>
-            </a:lvl1pPr>
-          </a:lstStyle>
-          <a:p>
-            <a:fld id="{0B973F48-4628-F846-BA33-DDE653D83577}" type="slidenum">
-              <a:rPr lang="en-US" smtClean="0"/>
-              <a:t>‹#›</a:t>
-            </a:fld>
-            <a:endParaRPr lang="en-US" dirty="0"/>
-          </a:p>
-        </p:txBody>
-      </p:sp>
-      <p:sp>
-        <p:nvSpPr>
           <p:cNvPr id="9" name="Slide Number Placeholder 5">
             <a:extLst>
               <a:ext uri="{FF2B5EF4-FFF2-40B4-BE49-F238E27FC236}">
@@ -4023,14 +3624,14 @@
           </a:ln>
           <a:extLst>
             <a:ext uri="{909E8E84-426E-40dd-AFC4-6F175D3DCCD1}">
-              <a14:hiddenFill xmlns="" xmlns:a14="http://schemas.microsoft.com/office/drawing/2010/main">
+              <a14:hiddenFill xmlns:a14="http://schemas.microsoft.com/office/drawing/2010/main" xmlns="">
                 <a:solidFill>
                   <a:srgbClr val="FFFFFF"/>
                 </a:solidFill>
               </a14:hiddenFill>
             </a:ext>
             <a:ext uri="{91240B29-F687-4f45-9708-019B960494DF}">
-              <a14:hiddenLine xmlns="" xmlns:a14="http://schemas.microsoft.com/office/drawing/2010/main" w="9525">
+              <a14:hiddenLine xmlns:a14="http://schemas.microsoft.com/office/drawing/2010/main" xmlns="" w="9525">
                 <a:solidFill>
                   <a:srgbClr val="000000"/>
                 </a:solidFill>
@@ -4309,7 +3910,7 @@
               <a:defRPr/>
             </a:pPr>
             <a:r>
-              <a:rPr lang="en-US" b="1" dirty="0" err="1">
+              <a:rPr lang="en-US" b="1" dirty="0">
                 <a:cs typeface="Arial" charset="0"/>
               </a:rPr>
               <a:t>rnabio.org</a:t>
@@ -5110,14 +4711,14 @@
             </a:ln>
             <a:extLst>
               <a:ext uri="{909E8E84-426E-40dd-AFC4-6F175D3DCCD1}">
-                <a14:hiddenFill xmlns="" xmlns:a14="http://schemas.microsoft.com/office/drawing/2010/main">
+                <a14:hiddenFill xmlns:a14="http://schemas.microsoft.com/office/drawing/2010/main" xmlns="">
                   <a:solidFill>
                     <a:srgbClr val="FFFFFF"/>
                   </a:solidFill>
                 </a14:hiddenFill>
               </a:ext>
               <a:ext uri="{91240B29-F687-4f45-9708-019B960494DF}">
-                <a14:hiddenLine xmlns="" xmlns:a14="http://schemas.microsoft.com/office/drawing/2010/main" w="9525">
+                <a14:hiddenLine xmlns:a14="http://schemas.microsoft.com/office/drawing/2010/main" xmlns="" w="9525">
                   <a:solidFill>
                     <a:srgbClr val="000000"/>
                   </a:solidFill>
@@ -5261,14 +4862,14 @@
             </a:ln>
             <a:extLst>
               <a:ext uri="{909E8E84-426E-40dd-AFC4-6F175D3DCCD1}">
-                <a14:hiddenFill xmlns="" xmlns:a14="http://schemas.microsoft.com/office/drawing/2010/main">
+                <a14:hiddenFill xmlns:a14="http://schemas.microsoft.com/office/drawing/2010/main" xmlns="">
                   <a:solidFill>
                     <a:srgbClr val="FFFFFF"/>
                   </a:solidFill>
                 </a14:hiddenFill>
               </a:ext>
               <a:ext uri="{91240B29-F687-4f45-9708-019B960494DF}">
-                <a14:hiddenLine xmlns="" xmlns:a14="http://schemas.microsoft.com/office/drawing/2010/main" w="9525">
+                <a14:hiddenLine xmlns:a14="http://schemas.microsoft.com/office/drawing/2010/main" xmlns="" w="9525">
                   <a:solidFill>
                     <a:srgbClr val="000000"/>
                   </a:solidFill>
@@ -5575,14 +5176,14 @@
           </a:ln>
           <a:extLst>
             <a:ext uri="{909E8E84-426E-40dd-AFC4-6F175D3DCCD1}">
-              <a14:hiddenFill xmlns:a14="http://schemas.microsoft.com/office/drawing/2010/main" xmlns="">
+              <a14:hiddenFill xmlns="" xmlns:a14="http://schemas.microsoft.com/office/drawing/2010/main">
                 <a:solidFill>
                   <a:srgbClr val="FFFFFF"/>
                 </a:solidFill>
               </a14:hiddenFill>
             </a:ext>
             <a:ext uri="{91240B29-F687-4f45-9708-019B960494DF}">
-              <a14:hiddenLine xmlns:a14="http://schemas.microsoft.com/office/drawing/2010/main" xmlns="" w="9525">
+              <a14:hiddenLine xmlns="" xmlns:a14="http://schemas.microsoft.com/office/drawing/2010/main" w="9525">
                 <a:solidFill>
                   <a:srgbClr val="000000"/>
                 </a:solidFill>
@@ -5772,14 +5373,14 @@
           </a:ln>
           <a:extLst>
             <a:ext uri="{909E8E84-426E-40dd-AFC4-6F175D3DCCD1}">
-              <a14:hiddenFill xmlns:a14="http://schemas.microsoft.com/office/drawing/2010/main" xmlns="">
+              <a14:hiddenFill xmlns="" xmlns:a14="http://schemas.microsoft.com/office/drawing/2010/main">
                 <a:solidFill>
                   <a:srgbClr val="FFFFFF"/>
                 </a:solidFill>
               </a14:hiddenFill>
             </a:ext>
             <a:ext uri="{91240B29-F687-4f45-9708-019B960494DF}">
-              <a14:hiddenLine xmlns:a14="http://schemas.microsoft.com/office/drawing/2010/main" xmlns="" w="9525">
+              <a14:hiddenLine xmlns="" xmlns:a14="http://schemas.microsoft.com/office/drawing/2010/main" w="9525">
                 <a:solidFill>
                   <a:srgbClr val="000000"/>
                 </a:solidFill>
@@ -7527,21 +7128,7 @@
                 <a:latin typeface="Calibri" panose="020F0502020204030204" pitchFamily="34" charset="0"/>
                 <a:cs typeface="Calibri" panose="020F0502020204030204" pitchFamily="34" charset="0"/>
               </a:rPr>
-              <a:t>How does </a:t>
-            </a:r>
-            <a:r>
-              <a:rPr lang="en-US" b="1" dirty="0" err="1">
-                <a:latin typeface="Calibri" panose="020F0502020204030204" pitchFamily="34" charset="0"/>
-                <a:cs typeface="Calibri" panose="020F0502020204030204" pitchFamily="34" charset="0"/>
-              </a:rPr>
-              <a:t>StringTie</a:t>
-            </a:r>
-            <a:r>
-              <a:rPr lang="en-US" b="1" dirty="0">
-                <a:latin typeface="Calibri" panose="020F0502020204030204" pitchFamily="34" charset="0"/>
-                <a:cs typeface="Calibri" panose="020F0502020204030204" pitchFamily="34" charset="0"/>
-              </a:rPr>
-              <a:t> work?</a:t>
+              <a:t>How does StringTie work?</a:t>
             </a:r>
           </a:p>
         </p:txBody>
@@ -7698,27 +7285,15 @@
           <a:lstStyle/>
           <a:p>
             <a:r>
-              <a:rPr lang="en-US" sz="1400" dirty="0" err="1"/>
-              <a:t>StringTie</a:t>
-            </a:r>
-            <a:r>
               <a:rPr lang="en-US" sz="1400" dirty="0"/>
-              <a:t> uses basic graph theory (splice graph), custom heuristics (heaviest path), more graph theory </a:t>
+              <a:t>StringTie uses basic graph theory (splice graph), custom heuristics (heaviest path), more graph theory </a:t>
             </a:r>
             <a:br>
               <a:rPr lang="en-US" sz="1400" dirty="0"/>
             </a:br>
             <a:r>
               <a:rPr lang="en-US" sz="1400" dirty="0"/>
-              <a:t>(flow network) and optimization theory (maximum flow). See </a:t>
-            </a:r>
-            <a:r>
-              <a:rPr lang="en-US" sz="1400" dirty="0" err="1"/>
-              <a:t>StringTie</a:t>
-            </a:r>
-            <a:r>
-              <a:rPr lang="en-US" sz="1400" dirty="0"/>
-              <a:t> paper for definitions and math.</a:t>
+              <a:t>(flow network) and optimization theory (maximum flow). See StringTie paper for definitions and math.</a:t>
             </a:r>
           </a:p>
         </p:txBody>
@@ -7848,18 +7423,11 @@
           <a:p>
             <a:pPr algn="ctr"/>
             <a:r>
-              <a:rPr lang="en-US" b="1" dirty="0" err="1">
-                <a:latin typeface="Calibri" panose="020F0502020204030204" pitchFamily="34" charset="0"/>
-                <a:cs typeface="Calibri" panose="020F0502020204030204" pitchFamily="34" charset="0"/>
-              </a:rPr>
-              <a:t>StringTie</a:t>
-            </a:r>
-            <a:r>
               <a:rPr lang="en-US" b="1" dirty="0">
                 <a:latin typeface="Calibri" panose="020F0502020204030204" pitchFamily="34" charset="0"/>
                 <a:cs typeface="Calibri" panose="020F0502020204030204" pitchFamily="34" charset="0"/>
               </a:rPr>
-              <a:t> -merge</a:t>
+              <a:t>StringTie -merge</a:t>
             </a:r>
           </a:p>
         </p:txBody>
@@ -7908,15 +7476,7 @@
           <a:p>
             <a:r>
               <a:rPr lang="en-US" dirty="0"/>
-              <a:t>For de novo or reference guided mode, we will rerun </a:t>
-            </a:r>
-            <a:r>
-              <a:rPr lang="en-US" dirty="0" err="1"/>
-              <a:t>StringTie</a:t>
-            </a:r>
-            <a:r>
-              <a:rPr lang="en-US" dirty="0"/>
-              <a:t> with the merged transcript assembly.</a:t>
+              <a:t>For de novo or reference guided mode, we will rerun StringTie with the merged transcript assembly.</a:t>
             </a:r>
           </a:p>
         </p:txBody>

--- a/assets/lectures/cshl/2019/mini/RNASeq_MiniLecture_03_01_AbundanceEstimation.pptx
+++ b/assets/lectures/cshl/2019/mini/RNASeq_MiniLecture_03_01_AbundanceEstimation.pptx
@@ -1514,14 +1514,14 @@
           </a:ln>
           <a:extLst>
             <a:ext uri="{909E8E84-426E-40dd-AFC4-6F175D3DCCD1}">
-              <a14:hiddenFill xmlns="" xmlns:a14="http://schemas.microsoft.com/office/drawing/2010/main">
+              <a14:hiddenFill xmlns:a14="http://schemas.microsoft.com/office/drawing/2010/main" xmlns="">
                 <a:solidFill>
                   <a:srgbClr val="FFFFFF"/>
                 </a:solidFill>
               </a14:hiddenFill>
             </a:ext>
             <a:ext uri="{91240B29-F687-4f45-9708-019B960494DF}">
-              <a14:hiddenLine xmlns="" xmlns:a14="http://schemas.microsoft.com/office/drawing/2010/main" w="9525">
+              <a14:hiddenLine xmlns:a14="http://schemas.microsoft.com/office/drawing/2010/main" xmlns="" w="9525">
                 <a:solidFill>
                   <a:srgbClr val="000000"/>
                 </a:solidFill>
@@ -1899,14 +1899,14 @@
           </a:ln>
           <a:extLst>
             <a:ext uri="{909E8E84-426E-40dd-AFC4-6F175D3DCCD1}">
-              <a14:hiddenFill xmlns="" xmlns:a14="http://schemas.microsoft.com/office/drawing/2010/main">
+              <a14:hiddenFill xmlns:a14="http://schemas.microsoft.com/office/drawing/2010/main" xmlns="">
                 <a:solidFill>
                   <a:srgbClr val="FFFFFF"/>
                 </a:solidFill>
               </a14:hiddenFill>
             </a:ext>
             <a:ext uri="{91240B29-F687-4f45-9708-019B960494DF}">
-              <a14:hiddenLine xmlns="" xmlns:a14="http://schemas.microsoft.com/office/drawing/2010/main" w="9525">
+              <a14:hiddenLine xmlns:a14="http://schemas.microsoft.com/office/drawing/2010/main" xmlns="" w="9525">
                 <a:solidFill>
                   <a:srgbClr val="000000"/>
                 </a:solidFill>
@@ -3598,10 +3598,10 @@
       </p:sp>
       <p:sp>
         <p:nvSpPr>
-          <p:cNvPr id="11" name="TextBox 10">
+          <p:cNvPr id="8" name="TextBox 7">
             <a:extLst>
               <a:ext uri="{FF2B5EF4-FFF2-40B4-BE49-F238E27FC236}">
-                <a16:creationId xmlns:a16="http://schemas.microsoft.com/office/drawing/2014/main" id="{2CE4FBA7-EA83-4B4B-A7C6-F0F5766917AC}"/>
+                <a16:creationId xmlns:a16="http://schemas.microsoft.com/office/drawing/2014/main" id="{3B9921A8-24C1-8343-A42F-FAD39C375800}"/>
               </a:ext>
             </a:extLst>
           </p:cNvPr>
@@ -3612,8 +3612,8 @@
         </p:nvSpPr>
         <p:spPr bwMode="auto">
           <a:xfrm>
-            <a:off x="0" y="6430962"/>
-            <a:ext cx="6705600" cy="396875"/>
+            <a:off x="111760" y="6447904"/>
+            <a:ext cx="2521392" cy="369332"/>
           </a:xfrm>
           <a:prstGeom prst="rect">
             <a:avLst/>
@@ -3643,7 +3643,7 @@
           </a:extLst>
         </p:spPr>
         <p:txBody>
-          <a:bodyPr>
+          <a:bodyPr wrap="square">
             <a:spAutoFit/>
           </a:bodyPr>
           <a:lstStyle>
@@ -3759,7 +3759,7 @@
               <a:defRPr/>
             </a:pPr>
             <a:r>
-              <a:rPr lang="en-US" sz="2000" b="1" dirty="0">
+              <a:rPr lang="en-US" sz="1800" b="1" dirty="0">
                 <a:solidFill>
                   <a:schemeClr val="bg1"/>
                 </a:solidFill>
@@ -3773,10 +3773,10 @@
       </p:sp>
       <p:sp>
         <p:nvSpPr>
-          <p:cNvPr id="12" name="TextBox 11">
+          <p:cNvPr id="13" name="TextBox 12">
             <a:extLst>
               <a:ext uri="{FF2B5EF4-FFF2-40B4-BE49-F238E27FC236}">
-                <a16:creationId xmlns:a16="http://schemas.microsoft.com/office/drawing/2014/main" id="{8EB12434-FD9E-4242-B813-5136B9D05A8A}"/>
+                <a16:creationId xmlns:a16="http://schemas.microsoft.com/office/drawing/2014/main" id="{2EFCFA98-1874-0340-ADD8-1DAF88DCD190}"/>
               </a:ext>
             </a:extLst>
           </p:cNvPr>
@@ -3785,8 +3785,8 @@
         </p:nvSpPr>
         <p:spPr>
           <a:xfrm>
-            <a:off x="9639300" y="6400800"/>
-            <a:ext cx="2362200" cy="457200"/>
+            <a:off x="9721408" y="6447904"/>
+            <a:ext cx="2362200" cy="369332"/>
           </a:xfrm>
           <a:prstGeom prst="rect">
             <a:avLst/>
@@ -3910,13 +3910,65 @@
               <a:defRPr/>
             </a:pPr>
             <a:r>
-              <a:rPr lang="en-US" b="1" dirty="0">
+              <a:rPr lang="en-US" sz="1800" b="1" dirty="0">
+                <a:solidFill>
+                  <a:schemeClr val="bg1"/>
+                </a:solidFill>
                 <a:cs typeface="Arial" charset="0"/>
               </a:rPr>
               <a:t>rnabio.org</a:t>
             </a:r>
-            <a:endParaRPr lang="en-US" dirty="0">
+            <a:endParaRPr lang="en-US" sz="1800" dirty="0">
+              <a:solidFill>
+                <a:schemeClr val="bg1"/>
+              </a:solidFill>
               <a:cs typeface="Arial" charset="0"/>
+            </a:endParaRPr>
+          </a:p>
+        </p:txBody>
+      </p:sp>
+      <p:sp>
+        <p:nvSpPr>
+          <p:cNvPr id="14" name="TextBox 13">
+            <a:extLst>
+              <a:ext uri="{FF2B5EF4-FFF2-40B4-BE49-F238E27FC236}">
+                <a16:creationId xmlns:a16="http://schemas.microsoft.com/office/drawing/2014/main" id="{9732489B-09D1-E54C-9153-2E827E51CD7E}"/>
+              </a:ext>
+            </a:extLst>
+          </p:cNvPr>
+          <p:cNvSpPr txBox="1"/>
+          <p:nvPr userDrawn="1"/>
+        </p:nvSpPr>
+        <p:spPr>
+          <a:xfrm>
+            <a:off x="5867412" y="6447904"/>
+            <a:ext cx="457176" cy="369332"/>
+          </a:xfrm>
+          <a:prstGeom prst="rect">
+            <a:avLst/>
+          </a:prstGeom>
+          <a:noFill/>
+        </p:spPr>
+        <p:txBody>
+          <a:bodyPr wrap="none" rtlCol="0" anchor="ctr">
+            <a:spAutoFit/>
+          </a:bodyPr>
+          <a:lstStyle/>
+          <a:p>
+            <a:pPr algn="ctr"/>
+            <a:fld id="{0153C3B2-0654-1049-821D-A9450C27E9C9}" type="slidenum">
+              <a:rPr lang="en-US" sz="1800" smtClean="0">
+                <a:solidFill>
+                  <a:schemeClr val="bg1"/>
+                </a:solidFill>
+              </a:rPr>
+              <a:pPr algn="ctr"/>
+              <a:t>‹#›</a:t>
+            </a:fld>
+            <a:endParaRPr lang="en-US" sz="1800" dirty="0">
+              <a:solidFill>
+                <a:schemeClr val="bg1"/>
+              </a:solidFill>
             </a:endParaRPr>
           </a:p>
         </p:txBody>
@@ -4711,14 +4763,14 @@
             </a:ln>
             <a:extLst>
               <a:ext uri="{909E8E84-426E-40dd-AFC4-6F175D3DCCD1}">
-                <a14:hiddenFill xmlns:a14="http://schemas.microsoft.com/office/drawing/2010/main" xmlns="">
+                <a14:hiddenFill xmlns="" xmlns:a14="http://schemas.microsoft.com/office/drawing/2010/main">
                   <a:solidFill>
                     <a:srgbClr val="FFFFFF"/>
                   </a:solidFill>
                 </a14:hiddenFill>
               </a:ext>
               <a:ext uri="{91240B29-F687-4f45-9708-019B960494DF}">
-                <a14:hiddenLine xmlns:a14="http://schemas.microsoft.com/office/drawing/2010/main" xmlns="" w="9525">
+                <a14:hiddenLine xmlns="" xmlns:a14="http://schemas.microsoft.com/office/drawing/2010/main" w="9525">
                   <a:solidFill>
                     <a:srgbClr val="000000"/>
                   </a:solidFill>
@@ -4862,14 +4914,14 @@
             </a:ln>
             <a:extLst>
               <a:ext uri="{909E8E84-426E-40dd-AFC4-6F175D3DCCD1}">
-                <a14:hiddenFill xmlns:a14="http://schemas.microsoft.com/office/drawing/2010/main" xmlns="">
+                <a14:hiddenFill xmlns="" xmlns:a14="http://schemas.microsoft.com/office/drawing/2010/main">
                   <a:solidFill>
                     <a:srgbClr val="FFFFFF"/>
                   </a:solidFill>
                 </a14:hiddenFill>
               </a:ext>
               <a:ext uri="{91240B29-F687-4f45-9708-019B960494DF}">
-                <a14:hiddenLine xmlns:a14="http://schemas.microsoft.com/office/drawing/2010/main" xmlns="" w="9525">
+                <a14:hiddenLine xmlns="" xmlns:a14="http://schemas.microsoft.com/office/drawing/2010/main" w="9525">
                   <a:solidFill>
                     <a:srgbClr val="000000"/>
                   </a:solidFill>
@@ -5176,14 +5228,14 @@
           </a:ln>
           <a:extLst>
             <a:ext uri="{909E8E84-426E-40dd-AFC4-6F175D3DCCD1}">
-              <a14:hiddenFill xmlns="" xmlns:a14="http://schemas.microsoft.com/office/drawing/2010/main">
+              <a14:hiddenFill xmlns:a14="http://schemas.microsoft.com/office/drawing/2010/main" xmlns="">
                 <a:solidFill>
                   <a:srgbClr val="FFFFFF"/>
                 </a:solidFill>
               </a14:hiddenFill>
             </a:ext>
             <a:ext uri="{91240B29-F687-4f45-9708-019B960494DF}">
-              <a14:hiddenLine xmlns="" xmlns:a14="http://schemas.microsoft.com/office/drawing/2010/main" w="9525">
+              <a14:hiddenLine xmlns:a14="http://schemas.microsoft.com/office/drawing/2010/main" xmlns="" w="9525">
                 <a:solidFill>
                   <a:srgbClr val="000000"/>
                 </a:solidFill>
@@ -5373,14 +5425,14 @@
           </a:ln>
           <a:extLst>
             <a:ext uri="{909E8E84-426E-40dd-AFC4-6F175D3DCCD1}">
-              <a14:hiddenFill xmlns="" xmlns:a14="http://schemas.microsoft.com/office/drawing/2010/main">
+              <a14:hiddenFill xmlns:a14="http://schemas.microsoft.com/office/drawing/2010/main" xmlns="">
                 <a:solidFill>
                   <a:srgbClr val="FFFFFF"/>
                 </a:solidFill>
               </a14:hiddenFill>
             </a:ext>
             <a:ext uri="{91240B29-F687-4f45-9708-019B960494DF}">
-              <a14:hiddenLine xmlns="" xmlns:a14="http://schemas.microsoft.com/office/drawing/2010/main" w="9525">
+              <a14:hiddenLine xmlns:a14="http://schemas.microsoft.com/office/drawing/2010/main" xmlns="" w="9525">
                 <a:solidFill>
                   <a:srgbClr val="000000"/>
                 </a:solidFill>

--- a/assets/lectures/cshl/2019/mini/RNASeq_MiniLecture_03_01_AbundanceEstimation.pptx
+++ b/assets/lectures/cshl/2019/mini/RNASeq_MiniLecture_03_01_AbundanceEstimation.pptx
@@ -1514,14 +1514,14 @@
           </a:ln>
           <a:extLst>
             <a:ext uri="{909E8E84-426E-40dd-AFC4-6F175D3DCCD1}">
-              <a14:hiddenFill xmlns:a14="http://schemas.microsoft.com/office/drawing/2010/main" xmlns="">
+              <a14:hiddenFill xmlns="" xmlns:a14="http://schemas.microsoft.com/office/drawing/2010/main">
                 <a:solidFill>
                   <a:srgbClr val="FFFFFF"/>
                 </a:solidFill>
               </a14:hiddenFill>
             </a:ext>
             <a:ext uri="{91240B29-F687-4f45-9708-019B960494DF}">
-              <a14:hiddenLine xmlns:a14="http://schemas.microsoft.com/office/drawing/2010/main" xmlns="" w="9525">
+              <a14:hiddenLine xmlns="" xmlns:a14="http://schemas.microsoft.com/office/drawing/2010/main" w="9525">
                 <a:solidFill>
                   <a:srgbClr val="000000"/>
                 </a:solidFill>
@@ -1899,14 +1899,14 @@
           </a:ln>
           <a:extLst>
             <a:ext uri="{909E8E84-426E-40dd-AFC4-6F175D3DCCD1}">
-              <a14:hiddenFill xmlns:a14="http://schemas.microsoft.com/office/drawing/2010/main" xmlns="">
+              <a14:hiddenFill xmlns="" xmlns:a14="http://schemas.microsoft.com/office/drawing/2010/main">
                 <a:solidFill>
                   <a:srgbClr val="FFFFFF"/>
                 </a:solidFill>
               </a14:hiddenFill>
             </a:ext>
             <a:ext uri="{91240B29-F687-4f45-9708-019B960494DF}">
-              <a14:hiddenLine xmlns:a14="http://schemas.microsoft.com/office/drawing/2010/main" xmlns="" w="9525">
+              <a14:hiddenLine xmlns="" xmlns:a14="http://schemas.microsoft.com/office/drawing/2010/main" w="9525">
                 <a:solidFill>
                   <a:srgbClr val="000000"/>
                 </a:solidFill>
@@ -3624,14 +3624,14 @@
           </a:ln>
           <a:extLst>
             <a:ext uri="{909E8E84-426E-40dd-AFC4-6F175D3DCCD1}">
-              <a14:hiddenFill xmlns:a14="http://schemas.microsoft.com/office/drawing/2010/main" xmlns="">
+              <a14:hiddenFill xmlns="" xmlns:a14="http://schemas.microsoft.com/office/drawing/2010/main">
                 <a:solidFill>
                   <a:srgbClr val="FFFFFF"/>
                 </a:solidFill>
               </a14:hiddenFill>
             </a:ext>
             <a:ext uri="{91240B29-F687-4f45-9708-019B960494DF}">
-              <a14:hiddenLine xmlns:a14="http://schemas.microsoft.com/office/drawing/2010/main" xmlns="" w="9525">
+              <a14:hiddenLine xmlns="" xmlns:a14="http://schemas.microsoft.com/office/drawing/2010/main" w="9525">
                 <a:solidFill>
                   <a:srgbClr val="000000"/>
                 </a:solidFill>
@@ -4763,14 +4763,14 @@
             </a:ln>
             <a:extLst>
               <a:ext uri="{909E8E84-426E-40dd-AFC4-6F175D3DCCD1}">
-                <a14:hiddenFill xmlns="" xmlns:a14="http://schemas.microsoft.com/office/drawing/2010/main">
+                <a14:hiddenFill xmlns:a14="http://schemas.microsoft.com/office/drawing/2010/main" xmlns="">
                   <a:solidFill>
                     <a:srgbClr val="FFFFFF"/>
                   </a:solidFill>
                 </a14:hiddenFill>
               </a:ext>
               <a:ext uri="{91240B29-F687-4f45-9708-019B960494DF}">
-                <a14:hiddenLine xmlns="" xmlns:a14="http://schemas.microsoft.com/office/drawing/2010/main" w="9525">
+                <a14:hiddenLine xmlns:a14="http://schemas.microsoft.com/office/drawing/2010/main" xmlns="" w="9525">
                   <a:solidFill>
                     <a:srgbClr val="000000"/>
                   </a:solidFill>
@@ -4914,14 +4914,14 @@
             </a:ln>
             <a:extLst>
               <a:ext uri="{909E8E84-426E-40dd-AFC4-6F175D3DCCD1}">
-                <a14:hiddenFill xmlns="" xmlns:a14="http://schemas.microsoft.com/office/drawing/2010/main">
+                <a14:hiddenFill xmlns:a14="http://schemas.microsoft.com/office/drawing/2010/main" xmlns="">
                   <a:solidFill>
                     <a:srgbClr val="FFFFFF"/>
                   </a:solidFill>
                 </a14:hiddenFill>
               </a:ext>
               <a:ext uri="{91240B29-F687-4f45-9708-019B960494DF}">
-                <a14:hiddenLine xmlns="" xmlns:a14="http://schemas.microsoft.com/office/drawing/2010/main" w="9525">
+                <a14:hiddenLine xmlns:a14="http://schemas.microsoft.com/office/drawing/2010/main" xmlns="" w="9525">
                   <a:solidFill>
                     <a:srgbClr val="000000"/>
                   </a:solidFill>
@@ -5228,14 +5228,14 @@
           </a:ln>
           <a:extLst>
             <a:ext uri="{909E8E84-426E-40dd-AFC4-6F175D3DCCD1}">
-              <a14:hiddenFill xmlns:a14="http://schemas.microsoft.com/office/drawing/2010/main" xmlns="">
+              <a14:hiddenFill xmlns="" xmlns:a14="http://schemas.microsoft.com/office/drawing/2010/main">
                 <a:solidFill>
                   <a:srgbClr val="FFFFFF"/>
                 </a:solidFill>
               </a14:hiddenFill>
             </a:ext>
             <a:ext uri="{91240B29-F687-4f45-9708-019B960494DF}">
-              <a14:hiddenLine xmlns:a14="http://schemas.microsoft.com/office/drawing/2010/main" xmlns="" w="9525">
+              <a14:hiddenLine xmlns="" xmlns:a14="http://schemas.microsoft.com/office/drawing/2010/main" w="9525">
                 <a:solidFill>
                   <a:srgbClr val="000000"/>
                 </a:solidFill>
@@ -5425,14 +5425,14 @@
           </a:ln>
           <a:extLst>
             <a:ext uri="{909E8E84-426E-40dd-AFC4-6F175D3DCCD1}">
-              <a14:hiddenFill xmlns:a14="http://schemas.microsoft.com/office/drawing/2010/main" xmlns="">
+              <a14:hiddenFill xmlns="" xmlns:a14="http://schemas.microsoft.com/office/drawing/2010/main">
                 <a:solidFill>
                   <a:srgbClr val="FFFFFF"/>
                 </a:solidFill>
               </a14:hiddenFill>
             </a:ext>
             <a:ext uri="{91240B29-F687-4f45-9708-019B960494DF}">
-              <a14:hiddenLine xmlns:a14="http://schemas.microsoft.com/office/drawing/2010/main" xmlns="" w="9525">
+              <a14:hiddenLine xmlns="" xmlns:a14="http://schemas.microsoft.com/office/drawing/2010/main" w="9525">
                 <a:solidFill>
                   <a:srgbClr val="000000"/>
                 </a:solidFill>
